--- a/image_calibrator.pptx
+++ b/image_calibrator.pptx
@@ -269,7 +269,7 @@
           <a:p>
             <a:fld id="{98F29B44-1D3A-420C-A081-BEE0B0A679AE}" type="datetimeFigureOut">
               <a:rPr lang="en-DK" smtClean="0"/>
-              <a:t>08/05/2024</a:t>
+              <a:t>09/05/2024</a:t>
             </a:fld>
             <a:endParaRPr lang="en-DK"/>
           </a:p>
@@ -469,7 +469,7 @@
           <a:p>
             <a:fld id="{98F29B44-1D3A-420C-A081-BEE0B0A679AE}" type="datetimeFigureOut">
               <a:rPr lang="en-DK" smtClean="0"/>
-              <a:t>08/05/2024</a:t>
+              <a:t>09/05/2024</a:t>
             </a:fld>
             <a:endParaRPr lang="en-DK"/>
           </a:p>
@@ -679,7 +679,7 @@
           <a:p>
             <a:fld id="{98F29B44-1D3A-420C-A081-BEE0B0A679AE}" type="datetimeFigureOut">
               <a:rPr lang="en-DK" smtClean="0"/>
-              <a:t>08/05/2024</a:t>
+              <a:t>09/05/2024</a:t>
             </a:fld>
             <a:endParaRPr lang="en-DK"/>
           </a:p>
@@ -879,7 +879,7 @@
           <a:p>
             <a:fld id="{98F29B44-1D3A-420C-A081-BEE0B0A679AE}" type="datetimeFigureOut">
               <a:rPr lang="en-DK" smtClean="0"/>
-              <a:t>08/05/2024</a:t>
+              <a:t>09/05/2024</a:t>
             </a:fld>
             <a:endParaRPr lang="en-DK"/>
           </a:p>
@@ -1155,7 +1155,7 @@
           <a:p>
             <a:fld id="{98F29B44-1D3A-420C-A081-BEE0B0A679AE}" type="datetimeFigureOut">
               <a:rPr lang="en-DK" smtClean="0"/>
-              <a:t>08/05/2024</a:t>
+              <a:t>09/05/2024</a:t>
             </a:fld>
             <a:endParaRPr lang="en-DK"/>
           </a:p>
@@ -1423,7 +1423,7 @@
           <a:p>
             <a:fld id="{98F29B44-1D3A-420C-A081-BEE0B0A679AE}" type="datetimeFigureOut">
               <a:rPr lang="en-DK" smtClean="0"/>
-              <a:t>08/05/2024</a:t>
+              <a:t>09/05/2024</a:t>
             </a:fld>
             <a:endParaRPr lang="en-DK"/>
           </a:p>
@@ -1838,7 +1838,7 @@
           <a:p>
             <a:fld id="{98F29B44-1D3A-420C-A081-BEE0B0A679AE}" type="datetimeFigureOut">
               <a:rPr lang="en-DK" smtClean="0"/>
-              <a:t>08/05/2024</a:t>
+              <a:t>09/05/2024</a:t>
             </a:fld>
             <a:endParaRPr lang="en-DK"/>
           </a:p>
@@ -1980,7 +1980,7 @@
           <a:p>
             <a:fld id="{98F29B44-1D3A-420C-A081-BEE0B0A679AE}" type="datetimeFigureOut">
               <a:rPr lang="en-DK" smtClean="0"/>
-              <a:t>08/05/2024</a:t>
+              <a:t>09/05/2024</a:t>
             </a:fld>
             <a:endParaRPr lang="en-DK"/>
           </a:p>
@@ -2093,7 +2093,7 @@
           <a:p>
             <a:fld id="{98F29B44-1D3A-420C-A081-BEE0B0A679AE}" type="datetimeFigureOut">
               <a:rPr lang="en-DK" smtClean="0"/>
-              <a:t>08/05/2024</a:t>
+              <a:t>09/05/2024</a:t>
             </a:fld>
             <a:endParaRPr lang="en-DK"/>
           </a:p>
@@ -2406,7 +2406,7 @@
           <a:p>
             <a:fld id="{98F29B44-1D3A-420C-A081-BEE0B0A679AE}" type="datetimeFigureOut">
               <a:rPr lang="en-DK" smtClean="0"/>
-              <a:t>08/05/2024</a:t>
+              <a:t>09/05/2024</a:t>
             </a:fld>
             <a:endParaRPr lang="en-DK"/>
           </a:p>
@@ -2695,7 +2695,7 @@
           <a:p>
             <a:fld id="{98F29B44-1D3A-420C-A081-BEE0B0A679AE}" type="datetimeFigureOut">
               <a:rPr lang="en-DK" smtClean="0"/>
-              <a:t>08/05/2024</a:t>
+              <a:t>09/05/2024</a:t>
             </a:fld>
             <a:endParaRPr lang="en-DK"/>
           </a:p>
@@ -2938,7 +2938,7 @@
           <a:p>
             <a:fld id="{98F29B44-1D3A-420C-A081-BEE0B0A679AE}" type="datetimeFigureOut">
               <a:rPr lang="en-DK" smtClean="0"/>
-              <a:t>08/05/2024</a:t>
+              <a:t>09/05/2024</a:t>
             </a:fld>
             <a:endParaRPr lang="en-DK"/>
           </a:p>
@@ -3805,6 +3805,52 @@
           </a:prstGeom>
         </p:spPr>
       </p:pic>
+      <p:sp>
+        <p:nvSpPr>
+          <p:cNvPr id="2" name="Rectangle 1">
+            <a:extLst>
+              <a:ext uri="{FF2B5EF4-FFF2-40B4-BE49-F238E27FC236}">
+                <a16:creationId xmlns:a16="http://schemas.microsoft.com/office/drawing/2014/main" id="{6B80FCB3-3F09-C55E-A307-9A17A134230B}"/>
+              </a:ext>
+            </a:extLst>
+          </p:cNvPr>
+          <p:cNvSpPr/>
+          <p:nvPr/>
+        </p:nvSpPr>
+        <p:spPr>
+          <a:xfrm>
+            <a:off x="49762" y="1"/>
+            <a:ext cx="12142237" cy="3593064"/>
+          </a:xfrm>
+          <a:prstGeom prst="rect">
+            <a:avLst/>
+          </a:prstGeom>
+        </p:spPr>
+        <p:style>
+          <a:lnRef idx="2">
+            <a:schemeClr val="dk1">
+              <a:shade val="15000"/>
+            </a:schemeClr>
+          </a:lnRef>
+          <a:fillRef idx="1">
+            <a:schemeClr val="dk1"/>
+          </a:fillRef>
+          <a:effectRef idx="0">
+            <a:schemeClr val="dk1"/>
+          </a:effectRef>
+          <a:fontRef idx="minor">
+            <a:schemeClr val="lt1"/>
+          </a:fontRef>
+        </p:style>
+        <p:txBody>
+          <a:bodyPr rtlCol="0" anchor="ctr"/>
+          <a:lstStyle/>
+          <a:p>
+            <a:pPr algn="ctr"/>
+            <a:endParaRPr lang="en-DK"/>
+          </a:p>
+        </p:txBody>
+      </p:sp>
     </p:spTree>
     <p:extLst>
       <p:ext uri="{BB962C8B-B14F-4D97-AF65-F5344CB8AC3E}">
@@ -3857,7 +3903,7 @@
         </p:blipFill>
         <p:spPr>
           <a:xfrm>
-            <a:off x="-62716" y="1331650"/>
+            <a:off x="26060" y="1879661"/>
             <a:ext cx="12139880" cy="6858000"/>
           </a:xfrm>
           <a:prstGeom prst="rect">
@@ -3865,6 +3911,52 @@
           </a:prstGeom>
         </p:spPr>
       </p:pic>
+      <p:sp>
+        <p:nvSpPr>
+          <p:cNvPr id="2" name="Rectangle 1">
+            <a:extLst>
+              <a:ext uri="{FF2B5EF4-FFF2-40B4-BE49-F238E27FC236}">
+                <a16:creationId xmlns:a16="http://schemas.microsoft.com/office/drawing/2014/main" id="{99068448-3674-5961-E9D3-9A7A79897706}"/>
+              </a:ext>
+            </a:extLst>
+          </p:cNvPr>
+          <p:cNvSpPr/>
+          <p:nvPr/>
+        </p:nvSpPr>
+        <p:spPr>
+          <a:xfrm>
+            <a:off x="49762" y="1"/>
+            <a:ext cx="12142237" cy="3593064"/>
+          </a:xfrm>
+          <a:prstGeom prst="rect">
+            <a:avLst/>
+          </a:prstGeom>
+        </p:spPr>
+        <p:style>
+          <a:lnRef idx="2">
+            <a:schemeClr val="dk1">
+              <a:shade val="15000"/>
+            </a:schemeClr>
+          </a:lnRef>
+          <a:fillRef idx="1">
+            <a:schemeClr val="dk1"/>
+          </a:fillRef>
+          <a:effectRef idx="0">
+            <a:schemeClr val="dk1"/>
+          </a:effectRef>
+          <a:fontRef idx="minor">
+            <a:schemeClr val="lt1"/>
+          </a:fontRef>
+        </p:style>
+        <p:txBody>
+          <a:bodyPr rtlCol="0" anchor="ctr"/>
+          <a:lstStyle/>
+          <a:p>
+            <a:pPr algn="ctr"/>
+            <a:endParaRPr lang="en-DK"/>
+          </a:p>
+        </p:txBody>
+      </p:sp>
     </p:spTree>
     <p:extLst>
       <p:ext uri="{BB962C8B-B14F-4D97-AF65-F5344CB8AC3E}">
@@ -7015,6 +7107,52 @@
           </a:prstGeom>
         </p:spPr>
       </p:pic>
+      <p:sp>
+        <p:nvSpPr>
+          <p:cNvPr id="2" name="Rectangle 1">
+            <a:extLst>
+              <a:ext uri="{FF2B5EF4-FFF2-40B4-BE49-F238E27FC236}">
+                <a16:creationId xmlns:a16="http://schemas.microsoft.com/office/drawing/2014/main" id="{D27B2D4A-E258-50CE-3B65-8CA81EC1AB62}"/>
+              </a:ext>
+            </a:extLst>
+          </p:cNvPr>
+          <p:cNvSpPr/>
+          <p:nvPr/>
+        </p:nvSpPr>
+        <p:spPr>
+          <a:xfrm>
+            <a:off x="49762" y="1"/>
+            <a:ext cx="12142237" cy="3593064"/>
+          </a:xfrm>
+          <a:prstGeom prst="rect">
+            <a:avLst/>
+          </a:prstGeom>
+        </p:spPr>
+        <p:style>
+          <a:lnRef idx="2">
+            <a:schemeClr val="dk1">
+              <a:shade val="15000"/>
+            </a:schemeClr>
+          </a:lnRef>
+          <a:fillRef idx="1">
+            <a:schemeClr val="dk1"/>
+          </a:fillRef>
+          <a:effectRef idx="0">
+            <a:schemeClr val="dk1"/>
+          </a:effectRef>
+          <a:fontRef idx="minor">
+            <a:schemeClr val="lt1"/>
+          </a:fontRef>
+        </p:style>
+        <p:txBody>
+          <a:bodyPr rtlCol="0" anchor="ctr"/>
+          <a:lstStyle/>
+          <a:p>
+            <a:pPr algn="ctr"/>
+            <a:endParaRPr lang="en-DK"/>
+          </a:p>
+        </p:txBody>
+      </p:sp>
     </p:spTree>
     <p:extLst>
       <p:ext uri="{BB962C8B-B14F-4D97-AF65-F5344CB8AC3E}">
@@ -7067,7 +7205,7 @@
         </p:blipFill>
         <p:spPr>
           <a:xfrm>
-            <a:off x="2444620" y="-40377"/>
+            <a:off x="2455010" y="655814"/>
             <a:ext cx="6885992" cy="6898377"/>
           </a:xfrm>
           <a:prstGeom prst="rect">
@@ -7075,6 +7213,52 @@
           </a:prstGeom>
         </p:spPr>
       </p:pic>
+      <p:sp>
+        <p:nvSpPr>
+          <p:cNvPr id="2" name="Rectangle 1">
+            <a:extLst>
+              <a:ext uri="{FF2B5EF4-FFF2-40B4-BE49-F238E27FC236}">
+                <a16:creationId xmlns:a16="http://schemas.microsoft.com/office/drawing/2014/main" id="{CED5F3FB-9D6B-5EFD-3A01-89F8C9FA3628}"/>
+              </a:ext>
+            </a:extLst>
+          </p:cNvPr>
+          <p:cNvSpPr/>
+          <p:nvPr/>
+        </p:nvSpPr>
+        <p:spPr>
+          <a:xfrm>
+            <a:off x="49762" y="1"/>
+            <a:ext cx="12142237" cy="3593064"/>
+          </a:xfrm>
+          <a:prstGeom prst="rect">
+            <a:avLst/>
+          </a:prstGeom>
+        </p:spPr>
+        <p:style>
+          <a:lnRef idx="2">
+            <a:schemeClr val="dk1">
+              <a:shade val="15000"/>
+            </a:schemeClr>
+          </a:lnRef>
+          <a:fillRef idx="1">
+            <a:schemeClr val="dk1"/>
+          </a:fillRef>
+          <a:effectRef idx="0">
+            <a:schemeClr val="dk1"/>
+          </a:effectRef>
+          <a:fontRef idx="minor">
+            <a:schemeClr val="lt1"/>
+          </a:fontRef>
+        </p:style>
+        <p:txBody>
+          <a:bodyPr rtlCol="0" anchor="ctr"/>
+          <a:lstStyle/>
+          <a:p>
+            <a:pPr algn="ctr"/>
+            <a:endParaRPr lang="en-DK"/>
+          </a:p>
+        </p:txBody>
+      </p:sp>
     </p:spTree>
     <p:extLst>
       <p:ext uri="{BB962C8B-B14F-4D97-AF65-F5344CB8AC3E}">
@@ -8785,6 +8969,52 @@
           </a:prstGeom>
         </p:spPr>
       </p:pic>
+      <p:sp>
+        <p:nvSpPr>
+          <p:cNvPr id="2" name="Rectangle 1">
+            <a:extLst>
+              <a:ext uri="{FF2B5EF4-FFF2-40B4-BE49-F238E27FC236}">
+                <a16:creationId xmlns:a16="http://schemas.microsoft.com/office/drawing/2014/main" id="{FC443D3E-BF83-FBD5-FDFA-25577E812C1E}"/>
+              </a:ext>
+            </a:extLst>
+          </p:cNvPr>
+          <p:cNvSpPr/>
+          <p:nvPr/>
+        </p:nvSpPr>
+        <p:spPr>
+          <a:xfrm>
+            <a:off x="49762" y="1"/>
+            <a:ext cx="12142237" cy="3593064"/>
+          </a:xfrm>
+          <a:prstGeom prst="rect">
+            <a:avLst/>
+          </a:prstGeom>
+        </p:spPr>
+        <p:style>
+          <a:lnRef idx="2">
+            <a:schemeClr val="dk1">
+              <a:shade val="15000"/>
+            </a:schemeClr>
+          </a:lnRef>
+          <a:fillRef idx="1">
+            <a:schemeClr val="dk1"/>
+          </a:fillRef>
+          <a:effectRef idx="0">
+            <a:schemeClr val="dk1"/>
+          </a:effectRef>
+          <a:fontRef idx="minor">
+            <a:schemeClr val="lt1"/>
+          </a:fontRef>
+        </p:style>
+        <p:txBody>
+          <a:bodyPr rtlCol="0" anchor="ctr"/>
+          <a:lstStyle/>
+          <a:p>
+            <a:pPr algn="ctr"/>
+            <a:endParaRPr lang="en-DK"/>
+          </a:p>
+        </p:txBody>
+      </p:sp>
     </p:spTree>
     <p:extLst>
       <p:ext uri="{BB962C8B-B14F-4D97-AF65-F5344CB8AC3E}">
@@ -10375,6 +10605,52 @@
           </a:prstGeom>
         </p:spPr>
       </p:pic>
+      <p:sp>
+        <p:nvSpPr>
+          <p:cNvPr id="2" name="Rectangle 1">
+            <a:extLst>
+              <a:ext uri="{FF2B5EF4-FFF2-40B4-BE49-F238E27FC236}">
+                <a16:creationId xmlns:a16="http://schemas.microsoft.com/office/drawing/2014/main" id="{BDE5F507-13EC-AF43-7A95-6870F5FE009F}"/>
+              </a:ext>
+            </a:extLst>
+          </p:cNvPr>
+          <p:cNvSpPr/>
+          <p:nvPr/>
+        </p:nvSpPr>
+        <p:spPr>
+          <a:xfrm>
+            <a:off x="49762" y="1"/>
+            <a:ext cx="12142237" cy="3593064"/>
+          </a:xfrm>
+          <a:prstGeom prst="rect">
+            <a:avLst/>
+          </a:prstGeom>
+        </p:spPr>
+        <p:style>
+          <a:lnRef idx="2">
+            <a:schemeClr val="dk1">
+              <a:shade val="15000"/>
+            </a:schemeClr>
+          </a:lnRef>
+          <a:fillRef idx="1">
+            <a:schemeClr val="dk1"/>
+          </a:fillRef>
+          <a:effectRef idx="0">
+            <a:schemeClr val="dk1"/>
+          </a:effectRef>
+          <a:fontRef idx="minor">
+            <a:schemeClr val="lt1"/>
+          </a:fontRef>
+        </p:style>
+        <p:txBody>
+          <a:bodyPr rtlCol="0" anchor="ctr"/>
+          <a:lstStyle/>
+          <a:p>
+            <a:pPr algn="ctr"/>
+            <a:endParaRPr lang="en-DK"/>
+          </a:p>
+        </p:txBody>
+      </p:sp>
     </p:spTree>
     <p:extLst>
       <p:ext uri="{BB962C8B-B14F-4D97-AF65-F5344CB8AC3E}">
@@ -11245,6 +11521,52 @@
           </a:prstGeom>
         </p:spPr>
       </p:pic>
+      <p:sp>
+        <p:nvSpPr>
+          <p:cNvPr id="2" name="Rectangle 1">
+            <a:extLst>
+              <a:ext uri="{FF2B5EF4-FFF2-40B4-BE49-F238E27FC236}">
+                <a16:creationId xmlns:a16="http://schemas.microsoft.com/office/drawing/2014/main" id="{7E28119C-290C-D0AA-C64A-4AF40EAE92CE}"/>
+              </a:ext>
+            </a:extLst>
+          </p:cNvPr>
+          <p:cNvSpPr/>
+          <p:nvPr/>
+        </p:nvSpPr>
+        <p:spPr>
+          <a:xfrm>
+            <a:off x="49762" y="1"/>
+            <a:ext cx="12142237" cy="3593064"/>
+          </a:xfrm>
+          <a:prstGeom prst="rect">
+            <a:avLst/>
+          </a:prstGeom>
+        </p:spPr>
+        <p:style>
+          <a:lnRef idx="2">
+            <a:schemeClr val="dk1">
+              <a:shade val="15000"/>
+            </a:schemeClr>
+          </a:lnRef>
+          <a:fillRef idx="1">
+            <a:schemeClr val="dk1"/>
+          </a:fillRef>
+          <a:effectRef idx="0">
+            <a:schemeClr val="dk1"/>
+          </a:effectRef>
+          <a:fontRef idx="minor">
+            <a:schemeClr val="lt1"/>
+          </a:fontRef>
+        </p:style>
+        <p:txBody>
+          <a:bodyPr rtlCol="0" anchor="ctr"/>
+          <a:lstStyle/>
+          <a:p>
+            <a:pPr algn="ctr"/>
+            <a:endParaRPr lang="en-DK"/>
+          </a:p>
+        </p:txBody>
+      </p:sp>
     </p:spTree>
     <p:extLst>
       <p:ext uri="{BB962C8B-B14F-4D97-AF65-F5344CB8AC3E}">
@@ -11385,6 +11707,52 @@
           </a:prstGeom>
         </p:spPr>
       </p:pic>
+      <p:sp>
+        <p:nvSpPr>
+          <p:cNvPr id="6" name="Rectangle 5">
+            <a:extLst>
+              <a:ext uri="{FF2B5EF4-FFF2-40B4-BE49-F238E27FC236}">
+                <a16:creationId xmlns:a16="http://schemas.microsoft.com/office/drawing/2014/main" id="{1DB15424-AE15-B14B-3AB2-97EA7002F9F1}"/>
+              </a:ext>
+            </a:extLst>
+          </p:cNvPr>
+          <p:cNvSpPr/>
+          <p:nvPr/>
+        </p:nvSpPr>
+        <p:spPr>
+          <a:xfrm>
+            <a:off x="49762" y="1"/>
+            <a:ext cx="12142237" cy="3593064"/>
+          </a:xfrm>
+          <a:prstGeom prst="rect">
+            <a:avLst/>
+          </a:prstGeom>
+        </p:spPr>
+        <p:style>
+          <a:lnRef idx="2">
+            <a:schemeClr val="dk1">
+              <a:shade val="15000"/>
+            </a:schemeClr>
+          </a:lnRef>
+          <a:fillRef idx="1">
+            <a:schemeClr val="dk1"/>
+          </a:fillRef>
+          <a:effectRef idx="0">
+            <a:schemeClr val="dk1"/>
+          </a:effectRef>
+          <a:fontRef idx="minor">
+            <a:schemeClr val="lt1"/>
+          </a:fontRef>
+        </p:style>
+        <p:txBody>
+          <a:bodyPr rtlCol="0" anchor="ctr"/>
+          <a:lstStyle/>
+          <a:p>
+            <a:pPr algn="ctr"/>
+            <a:endParaRPr lang="en-DK"/>
+          </a:p>
+        </p:txBody>
+      </p:sp>
     </p:spTree>
     <p:extLst>
       <p:ext uri="{BB962C8B-B14F-4D97-AF65-F5344CB8AC3E}">
@@ -14549,8 +14917,8 @@
         </p:nvSpPr>
         <p:spPr>
           <a:xfrm>
-            <a:off x="49762" y="0"/>
-            <a:ext cx="12142237" cy="3737499"/>
+            <a:off x="49762" y="1"/>
+            <a:ext cx="12142237" cy="3593064"/>
           </a:xfrm>
           <a:prstGeom prst="rect">
             <a:avLst/>

--- a/image_calibrator.pptx
+++ b/image_calibrator.pptx
@@ -14,6 +14,8 @@
     <p:sldId id="266" r:id="rId8"/>
     <p:sldId id="267" r:id="rId9"/>
     <p:sldId id="268" r:id="rId10"/>
+    <p:sldId id="269" r:id="rId11"/>
+    <p:sldId id="271" r:id="rId12"/>
   </p:sldIdLst>
   <p:sldSz cx="12192000" cy="6858000"/>
   <p:notesSz cx="6858000" cy="9144000"/>
@@ -269,7 +271,7 @@
           <a:p>
             <a:fld id="{98F29B44-1D3A-420C-A081-BEE0B0A679AE}" type="datetimeFigureOut">
               <a:rPr lang="en-DK" smtClean="0"/>
-              <a:t>09/05/2024</a:t>
+              <a:t>10/05/2024</a:t>
             </a:fld>
             <a:endParaRPr lang="en-DK"/>
           </a:p>
@@ -469,7 +471,7 @@
           <a:p>
             <a:fld id="{98F29B44-1D3A-420C-A081-BEE0B0A679AE}" type="datetimeFigureOut">
               <a:rPr lang="en-DK" smtClean="0"/>
-              <a:t>09/05/2024</a:t>
+              <a:t>10/05/2024</a:t>
             </a:fld>
             <a:endParaRPr lang="en-DK"/>
           </a:p>
@@ -679,7 +681,7 @@
           <a:p>
             <a:fld id="{98F29B44-1D3A-420C-A081-BEE0B0A679AE}" type="datetimeFigureOut">
               <a:rPr lang="en-DK" smtClean="0"/>
-              <a:t>09/05/2024</a:t>
+              <a:t>10/05/2024</a:t>
             </a:fld>
             <a:endParaRPr lang="en-DK"/>
           </a:p>
@@ -879,7 +881,7 @@
           <a:p>
             <a:fld id="{98F29B44-1D3A-420C-A081-BEE0B0A679AE}" type="datetimeFigureOut">
               <a:rPr lang="en-DK" smtClean="0"/>
-              <a:t>09/05/2024</a:t>
+              <a:t>10/05/2024</a:t>
             </a:fld>
             <a:endParaRPr lang="en-DK"/>
           </a:p>
@@ -1155,7 +1157,7 @@
           <a:p>
             <a:fld id="{98F29B44-1D3A-420C-A081-BEE0B0A679AE}" type="datetimeFigureOut">
               <a:rPr lang="en-DK" smtClean="0"/>
-              <a:t>09/05/2024</a:t>
+              <a:t>10/05/2024</a:t>
             </a:fld>
             <a:endParaRPr lang="en-DK"/>
           </a:p>
@@ -1423,7 +1425,7 @@
           <a:p>
             <a:fld id="{98F29B44-1D3A-420C-A081-BEE0B0A679AE}" type="datetimeFigureOut">
               <a:rPr lang="en-DK" smtClean="0"/>
-              <a:t>09/05/2024</a:t>
+              <a:t>10/05/2024</a:t>
             </a:fld>
             <a:endParaRPr lang="en-DK"/>
           </a:p>
@@ -1838,7 +1840,7 @@
           <a:p>
             <a:fld id="{98F29B44-1D3A-420C-A081-BEE0B0A679AE}" type="datetimeFigureOut">
               <a:rPr lang="en-DK" smtClean="0"/>
-              <a:t>09/05/2024</a:t>
+              <a:t>10/05/2024</a:t>
             </a:fld>
             <a:endParaRPr lang="en-DK"/>
           </a:p>
@@ -1980,7 +1982,7 @@
           <a:p>
             <a:fld id="{98F29B44-1D3A-420C-A081-BEE0B0A679AE}" type="datetimeFigureOut">
               <a:rPr lang="en-DK" smtClean="0"/>
-              <a:t>09/05/2024</a:t>
+              <a:t>10/05/2024</a:t>
             </a:fld>
             <a:endParaRPr lang="en-DK"/>
           </a:p>
@@ -2093,7 +2095,7 @@
           <a:p>
             <a:fld id="{98F29B44-1D3A-420C-A081-BEE0B0A679AE}" type="datetimeFigureOut">
               <a:rPr lang="en-DK" smtClean="0"/>
-              <a:t>09/05/2024</a:t>
+              <a:t>10/05/2024</a:t>
             </a:fld>
             <a:endParaRPr lang="en-DK"/>
           </a:p>
@@ -2406,7 +2408,7 @@
           <a:p>
             <a:fld id="{98F29B44-1D3A-420C-A081-BEE0B0A679AE}" type="datetimeFigureOut">
               <a:rPr lang="en-DK" smtClean="0"/>
-              <a:t>09/05/2024</a:t>
+              <a:t>10/05/2024</a:t>
             </a:fld>
             <a:endParaRPr lang="en-DK"/>
           </a:p>
@@ -2695,7 +2697,7 @@
           <a:p>
             <a:fld id="{98F29B44-1D3A-420C-A081-BEE0B0A679AE}" type="datetimeFigureOut">
               <a:rPr lang="en-DK" smtClean="0"/>
-              <a:t>09/05/2024</a:t>
+              <a:t>10/05/2024</a:t>
             </a:fld>
             <a:endParaRPr lang="en-DK"/>
           </a:p>
@@ -2938,7 +2940,7 @@
           <a:p>
             <a:fld id="{98F29B44-1D3A-420C-A081-BEE0B0A679AE}" type="datetimeFigureOut">
               <a:rPr lang="en-DK" smtClean="0"/>
-              <a:t>09/05/2024</a:t>
+              <a:t>10/05/2024</a:t>
             </a:fld>
             <a:endParaRPr lang="en-DK"/>
           </a:p>
@@ -3855,6 +3857,3285 @@
     <p:extLst>
       <p:ext uri="{BB962C8B-B14F-4D97-AF65-F5344CB8AC3E}">
         <p14:creationId xmlns:p14="http://schemas.microsoft.com/office/powerpoint/2010/main" val="2378081530"/>
+      </p:ext>
+    </p:extLst>
+  </p:cSld>
+  <p:clrMapOvr>
+    <a:masterClrMapping/>
+  </p:clrMapOvr>
+</p:sld>
+</file>
+
+<file path=ppt/slides/slide10.xml><?xml version="1.0" encoding="utf-8"?>
+<p:sld xmlns:a="http://schemas.openxmlformats.org/drawingml/2006/main" xmlns:r="http://schemas.openxmlformats.org/officeDocument/2006/relationships" xmlns:p="http://schemas.openxmlformats.org/presentationml/2006/main">
+  <p:cSld>
+    <p:spTree>
+      <p:nvGrpSpPr>
+        <p:cNvPr id="1" name=""/>
+        <p:cNvGrpSpPr/>
+        <p:nvPr/>
+      </p:nvGrpSpPr>
+      <p:grpSpPr>
+        <a:xfrm>
+          <a:off x="0" y="0"/>
+          <a:ext cx="0" cy="0"/>
+          <a:chOff x="0" y="0"/>
+          <a:chExt cx="0" cy="0"/>
+        </a:xfrm>
+      </p:grpSpPr>
+      <p:sp>
+        <p:nvSpPr>
+          <p:cNvPr id="2" name="Title 1">
+            <a:extLst>
+              <a:ext uri="{FF2B5EF4-FFF2-40B4-BE49-F238E27FC236}">
+                <a16:creationId xmlns:a16="http://schemas.microsoft.com/office/drawing/2014/main" id="{88419D2C-C916-3925-38E5-B557649AADCB}"/>
+              </a:ext>
+            </a:extLst>
+          </p:cNvPr>
+          <p:cNvSpPr>
+            <a:spLocks noGrp="1"/>
+          </p:cNvSpPr>
+          <p:nvPr>
+            <p:ph type="title"/>
+          </p:nvPr>
+        </p:nvSpPr>
+        <p:spPr/>
+        <p:txBody>
+          <a:bodyPr/>
+          <a:lstStyle/>
+          <a:p>
+            <a:endParaRPr lang="en-DK"/>
+          </a:p>
+        </p:txBody>
+      </p:sp>
+      <p:sp>
+        <p:nvSpPr>
+          <p:cNvPr id="4" name="Rectangle 3">
+            <a:extLst>
+              <a:ext uri="{FF2B5EF4-FFF2-40B4-BE49-F238E27FC236}">
+                <a16:creationId xmlns:a16="http://schemas.microsoft.com/office/drawing/2014/main" id="{8DB6F908-CD33-3706-07A8-C541B8B96F3F}"/>
+              </a:ext>
+            </a:extLst>
+          </p:cNvPr>
+          <p:cNvSpPr/>
+          <p:nvPr/>
+        </p:nvSpPr>
+        <p:spPr>
+          <a:xfrm>
+            <a:off x="49762" y="1"/>
+            <a:ext cx="12142237" cy="3593064"/>
+          </a:xfrm>
+          <a:prstGeom prst="rect">
+            <a:avLst/>
+          </a:prstGeom>
+        </p:spPr>
+        <p:style>
+          <a:lnRef idx="2">
+            <a:schemeClr val="dk1">
+              <a:shade val="15000"/>
+            </a:schemeClr>
+          </a:lnRef>
+          <a:fillRef idx="1">
+            <a:schemeClr val="dk1"/>
+          </a:fillRef>
+          <a:effectRef idx="0">
+            <a:schemeClr val="dk1"/>
+          </a:effectRef>
+          <a:fontRef idx="minor">
+            <a:schemeClr val="lt1"/>
+          </a:fontRef>
+        </p:style>
+        <p:txBody>
+          <a:bodyPr rtlCol="0" anchor="ctr"/>
+          <a:lstStyle/>
+          <a:p>
+            <a:pPr algn="ctr"/>
+            <a:endParaRPr lang="en-DK"/>
+          </a:p>
+        </p:txBody>
+      </p:sp>
+      <p:sp>
+        <p:nvSpPr>
+          <p:cNvPr id="5" name="Rectangle 4">
+            <a:extLst>
+              <a:ext uri="{FF2B5EF4-FFF2-40B4-BE49-F238E27FC236}">
+                <a16:creationId xmlns:a16="http://schemas.microsoft.com/office/drawing/2014/main" id="{C85C9894-8C0C-C937-31F0-861E9A823454}"/>
+              </a:ext>
+            </a:extLst>
+          </p:cNvPr>
+          <p:cNvSpPr/>
+          <p:nvPr/>
+        </p:nvSpPr>
+        <p:spPr>
+          <a:xfrm>
+            <a:off x="150921" y="5424256"/>
+            <a:ext cx="1038687" cy="852257"/>
+          </a:xfrm>
+          <a:prstGeom prst="rect">
+            <a:avLst/>
+          </a:prstGeom>
+        </p:spPr>
+        <p:style>
+          <a:lnRef idx="2">
+            <a:schemeClr val="accent1">
+              <a:shade val="15000"/>
+            </a:schemeClr>
+          </a:lnRef>
+          <a:fillRef idx="1">
+            <a:schemeClr val="accent1"/>
+          </a:fillRef>
+          <a:effectRef idx="0">
+            <a:schemeClr val="accent1"/>
+          </a:effectRef>
+          <a:fontRef idx="minor">
+            <a:schemeClr val="lt1"/>
+          </a:fontRef>
+        </p:style>
+        <p:txBody>
+          <a:bodyPr rtlCol="0" anchor="ctr"/>
+          <a:lstStyle/>
+          <a:p>
+            <a:pPr algn="ctr"/>
+            <a:endParaRPr lang="en-DK"/>
+          </a:p>
+        </p:txBody>
+      </p:sp>
+      <p:sp>
+        <p:nvSpPr>
+          <p:cNvPr id="6" name="Rectangle 5">
+            <a:extLst>
+              <a:ext uri="{FF2B5EF4-FFF2-40B4-BE49-F238E27FC236}">
+                <a16:creationId xmlns:a16="http://schemas.microsoft.com/office/drawing/2014/main" id="{CD2530E9-39ED-704D-78CB-7CFC7ACDA53A}"/>
+              </a:ext>
+            </a:extLst>
+          </p:cNvPr>
+          <p:cNvSpPr/>
+          <p:nvPr/>
+        </p:nvSpPr>
+        <p:spPr>
+          <a:xfrm>
+            <a:off x="1189608" y="5424256"/>
+            <a:ext cx="1038687" cy="852257"/>
+          </a:xfrm>
+          <a:prstGeom prst="rect">
+            <a:avLst/>
+          </a:prstGeom>
+        </p:spPr>
+        <p:style>
+          <a:lnRef idx="2">
+            <a:schemeClr val="accent1"/>
+          </a:lnRef>
+          <a:fillRef idx="1">
+            <a:schemeClr val="lt1"/>
+          </a:fillRef>
+          <a:effectRef idx="0">
+            <a:schemeClr val="accent1"/>
+          </a:effectRef>
+          <a:fontRef idx="minor">
+            <a:schemeClr val="dk1"/>
+          </a:fontRef>
+        </p:style>
+        <p:txBody>
+          <a:bodyPr rtlCol="0" anchor="ctr"/>
+          <a:lstStyle/>
+          <a:p>
+            <a:pPr algn="ctr"/>
+            <a:endParaRPr lang="en-DK"/>
+          </a:p>
+        </p:txBody>
+      </p:sp>
+      <p:sp>
+        <p:nvSpPr>
+          <p:cNvPr id="7" name="Rectangle 6">
+            <a:extLst>
+              <a:ext uri="{FF2B5EF4-FFF2-40B4-BE49-F238E27FC236}">
+                <a16:creationId xmlns:a16="http://schemas.microsoft.com/office/drawing/2014/main" id="{00BDFD63-E85B-D425-2103-A8DC75B5B6D6}"/>
+              </a:ext>
+            </a:extLst>
+          </p:cNvPr>
+          <p:cNvSpPr/>
+          <p:nvPr/>
+        </p:nvSpPr>
+        <p:spPr>
+          <a:xfrm>
+            <a:off x="2228295" y="5424256"/>
+            <a:ext cx="1038687" cy="852257"/>
+          </a:xfrm>
+          <a:prstGeom prst="rect">
+            <a:avLst/>
+          </a:prstGeom>
+        </p:spPr>
+        <p:style>
+          <a:lnRef idx="2">
+            <a:schemeClr val="accent1">
+              <a:shade val="15000"/>
+            </a:schemeClr>
+          </a:lnRef>
+          <a:fillRef idx="1">
+            <a:schemeClr val="accent1"/>
+          </a:fillRef>
+          <a:effectRef idx="0">
+            <a:schemeClr val="accent1"/>
+          </a:effectRef>
+          <a:fontRef idx="minor">
+            <a:schemeClr val="lt1"/>
+          </a:fontRef>
+        </p:style>
+        <p:txBody>
+          <a:bodyPr rtlCol="0" anchor="ctr"/>
+          <a:lstStyle/>
+          <a:p>
+            <a:pPr algn="ctr"/>
+            <a:endParaRPr lang="en-DK"/>
+          </a:p>
+        </p:txBody>
+      </p:sp>
+      <p:sp>
+        <p:nvSpPr>
+          <p:cNvPr id="8" name="Rectangle 7">
+            <a:extLst>
+              <a:ext uri="{FF2B5EF4-FFF2-40B4-BE49-F238E27FC236}">
+                <a16:creationId xmlns:a16="http://schemas.microsoft.com/office/drawing/2014/main" id="{7F141F95-7832-5B03-C98C-339529356059}"/>
+              </a:ext>
+            </a:extLst>
+          </p:cNvPr>
+          <p:cNvSpPr/>
+          <p:nvPr/>
+        </p:nvSpPr>
+        <p:spPr>
+          <a:xfrm>
+            <a:off x="3266982" y="5424256"/>
+            <a:ext cx="1038687" cy="852257"/>
+          </a:xfrm>
+          <a:prstGeom prst="rect">
+            <a:avLst/>
+          </a:prstGeom>
+        </p:spPr>
+        <p:style>
+          <a:lnRef idx="2">
+            <a:schemeClr val="accent1"/>
+          </a:lnRef>
+          <a:fillRef idx="1">
+            <a:schemeClr val="lt1"/>
+          </a:fillRef>
+          <a:effectRef idx="0">
+            <a:schemeClr val="accent1"/>
+          </a:effectRef>
+          <a:fontRef idx="minor">
+            <a:schemeClr val="dk1"/>
+          </a:fontRef>
+        </p:style>
+        <p:txBody>
+          <a:bodyPr rtlCol="0" anchor="ctr"/>
+          <a:lstStyle/>
+          <a:p>
+            <a:pPr algn="ctr"/>
+            <a:endParaRPr lang="en-DK"/>
+          </a:p>
+        </p:txBody>
+      </p:sp>
+      <p:sp>
+        <p:nvSpPr>
+          <p:cNvPr id="9" name="Rectangle 8">
+            <a:extLst>
+              <a:ext uri="{FF2B5EF4-FFF2-40B4-BE49-F238E27FC236}">
+                <a16:creationId xmlns:a16="http://schemas.microsoft.com/office/drawing/2014/main" id="{0583FE28-1FED-3DDE-7ACE-B3214AE1FDCC}"/>
+              </a:ext>
+            </a:extLst>
+          </p:cNvPr>
+          <p:cNvSpPr/>
+          <p:nvPr/>
+        </p:nvSpPr>
+        <p:spPr>
+          <a:xfrm>
+            <a:off x="4305669" y="5424256"/>
+            <a:ext cx="1038687" cy="852257"/>
+          </a:xfrm>
+          <a:prstGeom prst="rect">
+            <a:avLst/>
+          </a:prstGeom>
+        </p:spPr>
+        <p:style>
+          <a:lnRef idx="2">
+            <a:schemeClr val="accent1">
+              <a:shade val="15000"/>
+            </a:schemeClr>
+          </a:lnRef>
+          <a:fillRef idx="1">
+            <a:schemeClr val="accent1"/>
+          </a:fillRef>
+          <a:effectRef idx="0">
+            <a:schemeClr val="accent1"/>
+          </a:effectRef>
+          <a:fontRef idx="minor">
+            <a:schemeClr val="lt1"/>
+          </a:fontRef>
+        </p:style>
+        <p:txBody>
+          <a:bodyPr rtlCol="0" anchor="ctr"/>
+          <a:lstStyle/>
+          <a:p>
+            <a:pPr algn="ctr"/>
+            <a:endParaRPr lang="en-DK"/>
+          </a:p>
+        </p:txBody>
+      </p:sp>
+      <p:sp>
+        <p:nvSpPr>
+          <p:cNvPr id="10" name="Rectangle 9">
+            <a:extLst>
+              <a:ext uri="{FF2B5EF4-FFF2-40B4-BE49-F238E27FC236}">
+                <a16:creationId xmlns:a16="http://schemas.microsoft.com/office/drawing/2014/main" id="{26D366BA-6F10-533B-7558-6F33B46D7C3C}"/>
+              </a:ext>
+            </a:extLst>
+          </p:cNvPr>
+          <p:cNvSpPr/>
+          <p:nvPr/>
+        </p:nvSpPr>
+        <p:spPr>
+          <a:xfrm>
+            <a:off x="5344356" y="5424256"/>
+            <a:ext cx="1038687" cy="852257"/>
+          </a:xfrm>
+          <a:prstGeom prst="rect">
+            <a:avLst/>
+          </a:prstGeom>
+        </p:spPr>
+        <p:style>
+          <a:lnRef idx="2">
+            <a:schemeClr val="accent1"/>
+          </a:lnRef>
+          <a:fillRef idx="1">
+            <a:schemeClr val="lt1"/>
+          </a:fillRef>
+          <a:effectRef idx="0">
+            <a:schemeClr val="accent1"/>
+          </a:effectRef>
+          <a:fontRef idx="minor">
+            <a:schemeClr val="dk1"/>
+          </a:fontRef>
+        </p:style>
+        <p:txBody>
+          <a:bodyPr rtlCol="0" anchor="ctr"/>
+          <a:lstStyle/>
+          <a:p>
+            <a:pPr algn="ctr"/>
+            <a:endParaRPr lang="en-DK"/>
+          </a:p>
+        </p:txBody>
+      </p:sp>
+      <p:sp>
+        <p:nvSpPr>
+          <p:cNvPr id="11" name="Rectangle 10">
+            <a:extLst>
+              <a:ext uri="{FF2B5EF4-FFF2-40B4-BE49-F238E27FC236}">
+                <a16:creationId xmlns:a16="http://schemas.microsoft.com/office/drawing/2014/main" id="{820A91F3-3F4B-9779-C5FC-7DBC51E6E3E7}"/>
+              </a:ext>
+            </a:extLst>
+          </p:cNvPr>
+          <p:cNvSpPr/>
+          <p:nvPr/>
+        </p:nvSpPr>
+        <p:spPr>
+          <a:xfrm>
+            <a:off x="6383043" y="5424256"/>
+            <a:ext cx="1038687" cy="852257"/>
+          </a:xfrm>
+          <a:prstGeom prst="rect">
+            <a:avLst/>
+          </a:prstGeom>
+        </p:spPr>
+        <p:style>
+          <a:lnRef idx="2">
+            <a:schemeClr val="accent1">
+              <a:shade val="15000"/>
+            </a:schemeClr>
+          </a:lnRef>
+          <a:fillRef idx="1">
+            <a:schemeClr val="accent1"/>
+          </a:fillRef>
+          <a:effectRef idx="0">
+            <a:schemeClr val="accent1"/>
+          </a:effectRef>
+          <a:fontRef idx="minor">
+            <a:schemeClr val="lt1"/>
+          </a:fontRef>
+        </p:style>
+        <p:txBody>
+          <a:bodyPr rtlCol="0" anchor="ctr"/>
+          <a:lstStyle/>
+          <a:p>
+            <a:pPr algn="ctr"/>
+            <a:endParaRPr lang="en-DK"/>
+          </a:p>
+        </p:txBody>
+      </p:sp>
+      <p:sp>
+        <p:nvSpPr>
+          <p:cNvPr id="12" name="Rectangle 11">
+            <a:extLst>
+              <a:ext uri="{FF2B5EF4-FFF2-40B4-BE49-F238E27FC236}">
+                <a16:creationId xmlns:a16="http://schemas.microsoft.com/office/drawing/2014/main" id="{042E742C-3213-082D-326D-BDE922C306E1}"/>
+              </a:ext>
+            </a:extLst>
+          </p:cNvPr>
+          <p:cNvSpPr/>
+          <p:nvPr/>
+        </p:nvSpPr>
+        <p:spPr>
+          <a:xfrm>
+            <a:off x="7421730" y="5424256"/>
+            <a:ext cx="1038687" cy="852257"/>
+          </a:xfrm>
+          <a:prstGeom prst="rect">
+            <a:avLst/>
+          </a:prstGeom>
+        </p:spPr>
+        <p:style>
+          <a:lnRef idx="2">
+            <a:schemeClr val="accent1"/>
+          </a:lnRef>
+          <a:fillRef idx="1">
+            <a:schemeClr val="lt1"/>
+          </a:fillRef>
+          <a:effectRef idx="0">
+            <a:schemeClr val="accent1"/>
+          </a:effectRef>
+          <a:fontRef idx="minor">
+            <a:schemeClr val="dk1"/>
+          </a:fontRef>
+        </p:style>
+        <p:txBody>
+          <a:bodyPr rtlCol="0" anchor="ctr"/>
+          <a:lstStyle/>
+          <a:p>
+            <a:pPr algn="ctr"/>
+            <a:endParaRPr lang="en-DK"/>
+          </a:p>
+        </p:txBody>
+      </p:sp>
+      <p:sp>
+        <p:nvSpPr>
+          <p:cNvPr id="13" name="Rectangle 12">
+            <a:extLst>
+              <a:ext uri="{FF2B5EF4-FFF2-40B4-BE49-F238E27FC236}">
+                <a16:creationId xmlns:a16="http://schemas.microsoft.com/office/drawing/2014/main" id="{E47D0B46-48AF-E86B-FDA0-31B24E40BCB6}"/>
+              </a:ext>
+            </a:extLst>
+          </p:cNvPr>
+          <p:cNvSpPr/>
+          <p:nvPr/>
+        </p:nvSpPr>
+        <p:spPr>
+          <a:xfrm>
+            <a:off x="8460417" y="5424256"/>
+            <a:ext cx="1038687" cy="852257"/>
+          </a:xfrm>
+          <a:prstGeom prst="rect">
+            <a:avLst/>
+          </a:prstGeom>
+        </p:spPr>
+        <p:style>
+          <a:lnRef idx="2">
+            <a:schemeClr val="accent1">
+              <a:shade val="15000"/>
+            </a:schemeClr>
+          </a:lnRef>
+          <a:fillRef idx="1">
+            <a:schemeClr val="accent1"/>
+          </a:fillRef>
+          <a:effectRef idx="0">
+            <a:schemeClr val="accent1"/>
+          </a:effectRef>
+          <a:fontRef idx="minor">
+            <a:schemeClr val="lt1"/>
+          </a:fontRef>
+        </p:style>
+        <p:txBody>
+          <a:bodyPr rtlCol="0" anchor="ctr"/>
+          <a:lstStyle/>
+          <a:p>
+            <a:pPr algn="ctr"/>
+            <a:endParaRPr lang="en-DK"/>
+          </a:p>
+        </p:txBody>
+      </p:sp>
+      <p:sp>
+        <p:nvSpPr>
+          <p:cNvPr id="14" name="Rectangle 13">
+            <a:extLst>
+              <a:ext uri="{FF2B5EF4-FFF2-40B4-BE49-F238E27FC236}">
+                <a16:creationId xmlns:a16="http://schemas.microsoft.com/office/drawing/2014/main" id="{71CAE6CE-AC56-FB05-CB1E-970E06BA5B5A}"/>
+              </a:ext>
+            </a:extLst>
+          </p:cNvPr>
+          <p:cNvSpPr/>
+          <p:nvPr/>
+        </p:nvSpPr>
+        <p:spPr>
+          <a:xfrm>
+            <a:off x="9499104" y="5424256"/>
+            <a:ext cx="1038687" cy="852257"/>
+          </a:xfrm>
+          <a:prstGeom prst="rect">
+            <a:avLst/>
+          </a:prstGeom>
+        </p:spPr>
+        <p:style>
+          <a:lnRef idx="2">
+            <a:schemeClr val="accent1"/>
+          </a:lnRef>
+          <a:fillRef idx="1">
+            <a:schemeClr val="lt1"/>
+          </a:fillRef>
+          <a:effectRef idx="0">
+            <a:schemeClr val="accent1"/>
+          </a:effectRef>
+          <a:fontRef idx="minor">
+            <a:schemeClr val="dk1"/>
+          </a:fontRef>
+        </p:style>
+        <p:txBody>
+          <a:bodyPr rtlCol="0" anchor="ctr"/>
+          <a:lstStyle/>
+          <a:p>
+            <a:pPr algn="ctr"/>
+            <a:endParaRPr lang="en-DK"/>
+          </a:p>
+        </p:txBody>
+      </p:sp>
+      <p:sp>
+        <p:nvSpPr>
+          <p:cNvPr id="15" name="Rectangle 14">
+            <a:extLst>
+              <a:ext uri="{FF2B5EF4-FFF2-40B4-BE49-F238E27FC236}">
+                <a16:creationId xmlns:a16="http://schemas.microsoft.com/office/drawing/2014/main" id="{D8A049D7-2771-E764-AED7-212401EC55FA}"/>
+              </a:ext>
+            </a:extLst>
+          </p:cNvPr>
+          <p:cNvSpPr/>
+          <p:nvPr/>
+        </p:nvSpPr>
+        <p:spPr>
+          <a:xfrm>
+            <a:off x="10537791" y="5424256"/>
+            <a:ext cx="1038687" cy="852257"/>
+          </a:xfrm>
+          <a:prstGeom prst="rect">
+            <a:avLst/>
+          </a:prstGeom>
+        </p:spPr>
+        <p:style>
+          <a:lnRef idx="2">
+            <a:schemeClr val="accent1">
+              <a:shade val="15000"/>
+            </a:schemeClr>
+          </a:lnRef>
+          <a:fillRef idx="1">
+            <a:schemeClr val="accent1"/>
+          </a:fillRef>
+          <a:effectRef idx="0">
+            <a:schemeClr val="accent1"/>
+          </a:effectRef>
+          <a:fontRef idx="minor">
+            <a:schemeClr val="lt1"/>
+          </a:fontRef>
+        </p:style>
+        <p:txBody>
+          <a:bodyPr rtlCol="0" anchor="ctr"/>
+          <a:lstStyle/>
+          <a:p>
+            <a:pPr algn="ctr"/>
+            <a:endParaRPr lang="en-DK"/>
+          </a:p>
+        </p:txBody>
+      </p:sp>
+      <p:sp>
+        <p:nvSpPr>
+          <p:cNvPr id="16" name="Rectangle 15">
+            <a:extLst>
+              <a:ext uri="{FF2B5EF4-FFF2-40B4-BE49-F238E27FC236}">
+                <a16:creationId xmlns:a16="http://schemas.microsoft.com/office/drawing/2014/main" id="{07EB2C4A-91DF-D8DD-6292-50EA54F1DFFB}"/>
+              </a:ext>
+            </a:extLst>
+          </p:cNvPr>
+          <p:cNvSpPr/>
+          <p:nvPr/>
+        </p:nvSpPr>
+        <p:spPr>
+          <a:xfrm>
+            <a:off x="11576478" y="5424256"/>
+            <a:ext cx="1038687" cy="852257"/>
+          </a:xfrm>
+          <a:prstGeom prst="rect">
+            <a:avLst/>
+          </a:prstGeom>
+        </p:spPr>
+        <p:style>
+          <a:lnRef idx="2">
+            <a:schemeClr val="accent1"/>
+          </a:lnRef>
+          <a:fillRef idx="1">
+            <a:schemeClr val="lt1"/>
+          </a:fillRef>
+          <a:effectRef idx="0">
+            <a:schemeClr val="accent1"/>
+          </a:effectRef>
+          <a:fontRef idx="minor">
+            <a:schemeClr val="dk1"/>
+          </a:fontRef>
+        </p:style>
+        <p:txBody>
+          <a:bodyPr rtlCol="0" anchor="ctr"/>
+          <a:lstStyle/>
+          <a:p>
+            <a:pPr algn="ctr"/>
+            <a:endParaRPr lang="en-DK"/>
+          </a:p>
+        </p:txBody>
+      </p:sp>
+      <p:sp>
+        <p:nvSpPr>
+          <p:cNvPr id="17" name="Rectangle 16">
+            <a:extLst>
+              <a:ext uri="{FF2B5EF4-FFF2-40B4-BE49-F238E27FC236}">
+                <a16:creationId xmlns:a16="http://schemas.microsoft.com/office/drawing/2014/main" id="{BF8F956C-41BC-0362-B6E7-5983C3E9EC9D}"/>
+              </a:ext>
+            </a:extLst>
+          </p:cNvPr>
+          <p:cNvSpPr/>
+          <p:nvPr/>
+        </p:nvSpPr>
+        <p:spPr>
+          <a:xfrm>
+            <a:off x="150921" y="4571999"/>
+            <a:ext cx="1038687" cy="852257"/>
+          </a:xfrm>
+          <a:prstGeom prst="rect">
+            <a:avLst/>
+          </a:prstGeom>
+        </p:spPr>
+        <p:style>
+          <a:lnRef idx="2">
+            <a:schemeClr val="accent1"/>
+          </a:lnRef>
+          <a:fillRef idx="1">
+            <a:schemeClr val="lt1"/>
+          </a:fillRef>
+          <a:effectRef idx="0">
+            <a:schemeClr val="accent1"/>
+          </a:effectRef>
+          <a:fontRef idx="minor">
+            <a:schemeClr val="dk1"/>
+          </a:fontRef>
+        </p:style>
+        <p:txBody>
+          <a:bodyPr rtlCol="0" anchor="ctr"/>
+          <a:lstStyle/>
+          <a:p>
+            <a:pPr algn="ctr"/>
+            <a:endParaRPr lang="en-DK"/>
+          </a:p>
+        </p:txBody>
+      </p:sp>
+      <p:sp>
+        <p:nvSpPr>
+          <p:cNvPr id="18" name="Rectangle 17">
+            <a:extLst>
+              <a:ext uri="{FF2B5EF4-FFF2-40B4-BE49-F238E27FC236}">
+                <a16:creationId xmlns:a16="http://schemas.microsoft.com/office/drawing/2014/main" id="{E0F1E50D-EF78-7F48-529F-328BD7AC87DA}"/>
+              </a:ext>
+            </a:extLst>
+          </p:cNvPr>
+          <p:cNvSpPr/>
+          <p:nvPr/>
+        </p:nvSpPr>
+        <p:spPr>
+          <a:xfrm>
+            <a:off x="1189608" y="4571999"/>
+            <a:ext cx="1038687" cy="852257"/>
+          </a:xfrm>
+          <a:prstGeom prst="rect">
+            <a:avLst/>
+          </a:prstGeom>
+        </p:spPr>
+        <p:style>
+          <a:lnRef idx="2">
+            <a:schemeClr val="accent1">
+              <a:shade val="15000"/>
+            </a:schemeClr>
+          </a:lnRef>
+          <a:fillRef idx="1">
+            <a:schemeClr val="accent1"/>
+          </a:fillRef>
+          <a:effectRef idx="0">
+            <a:schemeClr val="accent1"/>
+          </a:effectRef>
+          <a:fontRef idx="minor">
+            <a:schemeClr val="lt1"/>
+          </a:fontRef>
+        </p:style>
+        <p:txBody>
+          <a:bodyPr rtlCol="0" anchor="ctr"/>
+          <a:lstStyle/>
+          <a:p>
+            <a:pPr algn="ctr"/>
+            <a:endParaRPr lang="en-DK"/>
+          </a:p>
+        </p:txBody>
+      </p:sp>
+      <p:sp>
+        <p:nvSpPr>
+          <p:cNvPr id="19" name="Rectangle 18">
+            <a:extLst>
+              <a:ext uri="{FF2B5EF4-FFF2-40B4-BE49-F238E27FC236}">
+                <a16:creationId xmlns:a16="http://schemas.microsoft.com/office/drawing/2014/main" id="{9F77A835-8C82-4708-4276-DD74DFAD8FFE}"/>
+              </a:ext>
+            </a:extLst>
+          </p:cNvPr>
+          <p:cNvSpPr/>
+          <p:nvPr/>
+        </p:nvSpPr>
+        <p:spPr>
+          <a:xfrm>
+            <a:off x="2228295" y="4571999"/>
+            <a:ext cx="1038687" cy="852257"/>
+          </a:xfrm>
+          <a:prstGeom prst="rect">
+            <a:avLst/>
+          </a:prstGeom>
+        </p:spPr>
+        <p:style>
+          <a:lnRef idx="2">
+            <a:schemeClr val="accent1"/>
+          </a:lnRef>
+          <a:fillRef idx="1">
+            <a:schemeClr val="lt1"/>
+          </a:fillRef>
+          <a:effectRef idx="0">
+            <a:schemeClr val="accent1"/>
+          </a:effectRef>
+          <a:fontRef idx="minor">
+            <a:schemeClr val="dk1"/>
+          </a:fontRef>
+        </p:style>
+        <p:txBody>
+          <a:bodyPr rtlCol="0" anchor="ctr"/>
+          <a:lstStyle/>
+          <a:p>
+            <a:pPr algn="ctr"/>
+            <a:endParaRPr lang="en-DK"/>
+          </a:p>
+        </p:txBody>
+      </p:sp>
+      <p:sp>
+        <p:nvSpPr>
+          <p:cNvPr id="20" name="Rectangle 19">
+            <a:extLst>
+              <a:ext uri="{FF2B5EF4-FFF2-40B4-BE49-F238E27FC236}">
+                <a16:creationId xmlns:a16="http://schemas.microsoft.com/office/drawing/2014/main" id="{027E890C-84AE-E0BB-9C6E-86FDB8455BE4}"/>
+              </a:ext>
+            </a:extLst>
+          </p:cNvPr>
+          <p:cNvSpPr/>
+          <p:nvPr/>
+        </p:nvSpPr>
+        <p:spPr>
+          <a:xfrm>
+            <a:off x="3266982" y="4571999"/>
+            <a:ext cx="1038687" cy="852257"/>
+          </a:xfrm>
+          <a:prstGeom prst="rect">
+            <a:avLst/>
+          </a:prstGeom>
+        </p:spPr>
+        <p:style>
+          <a:lnRef idx="2">
+            <a:schemeClr val="accent1">
+              <a:shade val="15000"/>
+            </a:schemeClr>
+          </a:lnRef>
+          <a:fillRef idx="1">
+            <a:schemeClr val="accent1"/>
+          </a:fillRef>
+          <a:effectRef idx="0">
+            <a:schemeClr val="accent1"/>
+          </a:effectRef>
+          <a:fontRef idx="minor">
+            <a:schemeClr val="lt1"/>
+          </a:fontRef>
+        </p:style>
+        <p:txBody>
+          <a:bodyPr rtlCol="0" anchor="ctr"/>
+          <a:lstStyle/>
+          <a:p>
+            <a:pPr algn="ctr"/>
+            <a:endParaRPr lang="en-DK"/>
+          </a:p>
+        </p:txBody>
+      </p:sp>
+      <p:sp>
+        <p:nvSpPr>
+          <p:cNvPr id="21" name="Rectangle 20">
+            <a:extLst>
+              <a:ext uri="{FF2B5EF4-FFF2-40B4-BE49-F238E27FC236}">
+                <a16:creationId xmlns:a16="http://schemas.microsoft.com/office/drawing/2014/main" id="{BFA04AF8-7E22-28B0-1050-875EE9BC06D8}"/>
+              </a:ext>
+            </a:extLst>
+          </p:cNvPr>
+          <p:cNvSpPr/>
+          <p:nvPr/>
+        </p:nvSpPr>
+        <p:spPr>
+          <a:xfrm>
+            <a:off x="4305669" y="4571999"/>
+            <a:ext cx="1038687" cy="852257"/>
+          </a:xfrm>
+          <a:prstGeom prst="rect">
+            <a:avLst/>
+          </a:prstGeom>
+        </p:spPr>
+        <p:style>
+          <a:lnRef idx="2">
+            <a:schemeClr val="accent1"/>
+          </a:lnRef>
+          <a:fillRef idx="1">
+            <a:schemeClr val="lt1"/>
+          </a:fillRef>
+          <a:effectRef idx="0">
+            <a:schemeClr val="accent1"/>
+          </a:effectRef>
+          <a:fontRef idx="minor">
+            <a:schemeClr val="dk1"/>
+          </a:fontRef>
+        </p:style>
+        <p:txBody>
+          <a:bodyPr rtlCol="0" anchor="ctr"/>
+          <a:lstStyle/>
+          <a:p>
+            <a:pPr algn="ctr"/>
+            <a:endParaRPr lang="en-DK"/>
+          </a:p>
+        </p:txBody>
+      </p:sp>
+      <p:sp>
+        <p:nvSpPr>
+          <p:cNvPr id="22" name="Rectangle 21">
+            <a:extLst>
+              <a:ext uri="{FF2B5EF4-FFF2-40B4-BE49-F238E27FC236}">
+                <a16:creationId xmlns:a16="http://schemas.microsoft.com/office/drawing/2014/main" id="{E87C4A18-4874-AACB-E961-B8DF5C45F7D7}"/>
+              </a:ext>
+            </a:extLst>
+          </p:cNvPr>
+          <p:cNvSpPr/>
+          <p:nvPr/>
+        </p:nvSpPr>
+        <p:spPr>
+          <a:xfrm>
+            <a:off x="5344356" y="4571999"/>
+            <a:ext cx="1038687" cy="852257"/>
+          </a:xfrm>
+          <a:prstGeom prst="rect">
+            <a:avLst/>
+          </a:prstGeom>
+        </p:spPr>
+        <p:style>
+          <a:lnRef idx="2">
+            <a:schemeClr val="accent1">
+              <a:shade val="15000"/>
+            </a:schemeClr>
+          </a:lnRef>
+          <a:fillRef idx="1">
+            <a:schemeClr val="accent1"/>
+          </a:fillRef>
+          <a:effectRef idx="0">
+            <a:schemeClr val="accent1"/>
+          </a:effectRef>
+          <a:fontRef idx="minor">
+            <a:schemeClr val="lt1"/>
+          </a:fontRef>
+        </p:style>
+        <p:txBody>
+          <a:bodyPr rtlCol="0" anchor="ctr"/>
+          <a:lstStyle/>
+          <a:p>
+            <a:pPr algn="ctr"/>
+            <a:endParaRPr lang="en-DK"/>
+          </a:p>
+        </p:txBody>
+      </p:sp>
+      <p:sp>
+        <p:nvSpPr>
+          <p:cNvPr id="23" name="Rectangle 22">
+            <a:extLst>
+              <a:ext uri="{FF2B5EF4-FFF2-40B4-BE49-F238E27FC236}">
+                <a16:creationId xmlns:a16="http://schemas.microsoft.com/office/drawing/2014/main" id="{4F47FB9C-C460-28BD-E63A-2F571BB5F389}"/>
+              </a:ext>
+            </a:extLst>
+          </p:cNvPr>
+          <p:cNvSpPr/>
+          <p:nvPr/>
+        </p:nvSpPr>
+        <p:spPr>
+          <a:xfrm>
+            <a:off x="6383043" y="4571999"/>
+            <a:ext cx="1038687" cy="852257"/>
+          </a:xfrm>
+          <a:prstGeom prst="rect">
+            <a:avLst/>
+          </a:prstGeom>
+        </p:spPr>
+        <p:style>
+          <a:lnRef idx="2">
+            <a:schemeClr val="accent1"/>
+          </a:lnRef>
+          <a:fillRef idx="1">
+            <a:schemeClr val="lt1"/>
+          </a:fillRef>
+          <a:effectRef idx="0">
+            <a:schemeClr val="accent1"/>
+          </a:effectRef>
+          <a:fontRef idx="minor">
+            <a:schemeClr val="dk1"/>
+          </a:fontRef>
+        </p:style>
+        <p:txBody>
+          <a:bodyPr rtlCol="0" anchor="ctr"/>
+          <a:lstStyle/>
+          <a:p>
+            <a:pPr algn="ctr"/>
+            <a:endParaRPr lang="en-DK"/>
+          </a:p>
+        </p:txBody>
+      </p:sp>
+      <p:sp>
+        <p:nvSpPr>
+          <p:cNvPr id="24" name="Rectangle 23">
+            <a:extLst>
+              <a:ext uri="{FF2B5EF4-FFF2-40B4-BE49-F238E27FC236}">
+                <a16:creationId xmlns:a16="http://schemas.microsoft.com/office/drawing/2014/main" id="{798B8B45-D78E-E020-D32E-C74C49D45021}"/>
+              </a:ext>
+            </a:extLst>
+          </p:cNvPr>
+          <p:cNvSpPr/>
+          <p:nvPr/>
+        </p:nvSpPr>
+        <p:spPr>
+          <a:xfrm>
+            <a:off x="7421730" y="4571999"/>
+            <a:ext cx="1038687" cy="852257"/>
+          </a:xfrm>
+          <a:prstGeom prst="rect">
+            <a:avLst/>
+          </a:prstGeom>
+        </p:spPr>
+        <p:style>
+          <a:lnRef idx="2">
+            <a:schemeClr val="accent1">
+              <a:shade val="15000"/>
+            </a:schemeClr>
+          </a:lnRef>
+          <a:fillRef idx="1">
+            <a:schemeClr val="accent1"/>
+          </a:fillRef>
+          <a:effectRef idx="0">
+            <a:schemeClr val="accent1"/>
+          </a:effectRef>
+          <a:fontRef idx="minor">
+            <a:schemeClr val="lt1"/>
+          </a:fontRef>
+        </p:style>
+        <p:txBody>
+          <a:bodyPr rtlCol="0" anchor="ctr"/>
+          <a:lstStyle/>
+          <a:p>
+            <a:pPr algn="ctr"/>
+            <a:endParaRPr lang="en-DK"/>
+          </a:p>
+        </p:txBody>
+      </p:sp>
+      <p:sp>
+        <p:nvSpPr>
+          <p:cNvPr id="25" name="Rectangle 24">
+            <a:extLst>
+              <a:ext uri="{FF2B5EF4-FFF2-40B4-BE49-F238E27FC236}">
+                <a16:creationId xmlns:a16="http://schemas.microsoft.com/office/drawing/2014/main" id="{AA66C730-BDCA-A695-E727-AEA650173400}"/>
+              </a:ext>
+            </a:extLst>
+          </p:cNvPr>
+          <p:cNvSpPr/>
+          <p:nvPr/>
+        </p:nvSpPr>
+        <p:spPr>
+          <a:xfrm>
+            <a:off x="8460417" y="4571999"/>
+            <a:ext cx="1038687" cy="852257"/>
+          </a:xfrm>
+          <a:prstGeom prst="rect">
+            <a:avLst/>
+          </a:prstGeom>
+        </p:spPr>
+        <p:style>
+          <a:lnRef idx="2">
+            <a:schemeClr val="accent1"/>
+          </a:lnRef>
+          <a:fillRef idx="1">
+            <a:schemeClr val="lt1"/>
+          </a:fillRef>
+          <a:effectRef idx="0">
+            <a:schemeClr val="accent1"/>
+          </a:effectRef>
+          <a:fontRef idx="minor">
+            <a:schemeClr val="dk1"/>
+          </a:fontRef>
+        </p:style>
+        <p:txBody>
+          <a:bodyPr rtlCol="0" anchor="ctr"/>
+          <a:lstStyle/>
+          <a:p>
+            <a:pPr algn="ctr"/>
+            <a:endParaRPr lang="en-DK"/>
+          </a:p>
+        </p:txBody>
+      </p:sp>
+      <p:sp>
+        <p:nvSpPr>
+          <p:cNvPr id="26" name="Rectangle 25">
+            <a:extLst>
+              <a:ext uri="{FF2B5EF4-FFF2-40B4-BE49-F238E27FC236}">
+                <a16:creationId xmlns:a16="http://schemas.microsoft.com/office/drawing/2014/main" id="{CC9449C8-7D62-BE39-EF10-F3A40AF018B3}"/>
+              </a:ext>
+            </a:extLst>
+          </p:cNvPr>
+          <p:cNvSpPr/>
+          <p:nvPr/>
+        </p:nvSpPr>
+        <p:spPr>
+          <a:xfrm>
+            <a:off x="9499104" y="4571999"/>
+            <a:ext cx="1038687" cy="852257"/>
+          </a:xfrm>
+          <a:prstGeom prst="rect">
+            <a:avLst/>
+          </a:prstGeom>
+        </p:spPr>
+        <p:style>
+          <a:lnRef idx="2">
+            <a:schemeClr val="accent1">
+              <a:shade val="15000"/>
+            </a:schemeClr>
+          </a:lnRef>
+          <a:fillRef idx="1">
+            <a:schemeClr val="accent1"/>
+          </a:fillRef>
+          <a:effectRef idx="0">
+            <a:schemeClr val="accent1"/>
+          </a:effectRef>
+          <a:fontRef idx="minor">
+            <a:schemeClr val="lt1"/>
+          </a:fontRef>
+        </p:style>
+        <p:txBody>
+          <a:bodyPr rtlCol="0" anchor="ctr"/>
+          <a:lstStyle/>
+          <a:p>
+            <a:pPr algn="ctr"/>
+            <a:endParaRPr lang="en-DK"/>
+          </a:p>
+        </p:txBody>
+      </p:sp>
+      <p:sp>
+        <p:nvSpPr>
+          <p:cNvPr id="27" name="Rectangle 26">
+            <a:extLst>
+              <a:ext uri="{FF2B5EF4-FFF2-40B4-BE49-F238E27FC236}">
+                <a16:creationId xmlns:a16="http://schemas.microsoft.com/office/drawing/2014/main" id="{7DD23FCB-6965-6EE0-A388-3784BBCFF415}"/>
+              </a:ext>
+            </a:extLst>
+          </p:cNvPr>
+          <p:cNvSpPr/>
+          <p:nvPr/>
+        </p:nvSpPr>
+        <p:spPr>
+          <a:xfrm>
+            <a:off x="10537791" y="4571999"/>
+            <a:ext cx="1038687" cy="852257"/>
+          </a:xfrm>
+          <a:prstGeom prst="rect">
+            <a:avLst/>
+          </a:prstGeom>
+        </p:spPr>
+        <p:style>
+          <a:lnRef idx="2">
+            <a:schemeClr val="accent1"/>
+          </a:lnRef>
+          <a:fillRef idx="1">
+            <a:schemeClr val="lt1"/>
+          </a:fillRef>
+          <a:effectRef idx="0">
+            <a:schemeClr val="accent1"/>
+          </a:effectRef>
+          <a:fontRef idx="minor">
+            <a:schemeClr val="dk1"/>
+          </a:fontRef>
+        </p:style>
+        <p:txBody>
+          <a:bodyPr rtlCol="0" anchor="ctr"/>
+          <a:lstStyle/>
+          <a:p>
+            <a:pPr algn="ctr"/>
+            <a:endParaRPr lang="en-DK"/>
+          </a:p>
+        </p:txBody>
+      </p:sp>
+      <p:sp>
+        <p:nvSpPr>
+          <p:cNvPr id="28" name="Rectangle 27">
+            <a:extLst>
+              <a:ext uri="{FF2B5EF4-FFF2-40B4-BE49-F238E27FC236}">
+                <a16:creationId xmlns:a16="http://schemas.microsoft.com/office/drawing/2014/main" id="{F9B212F8-2AA5-A643-7D93-18482044F01A}"/>
+              </a:ext>
+            </a:extLst>
+          </p:cNvPr>
+          <p:cNvSpPr/>
+          <p:nvPr/>
+        </p:nvSpPr>
+        <p:spPr>
+          <a:xfrm>
+            <a:off x="150921" y="3719742"/>
+            <a:ext cx="1038687" cy="852257"/>
+          </a:xfrm>
+          <a:prstGeom prst="rect">
+            <a:avLst/>
+          </a:prstGeom>
+        </p:spPr>
+        <p:style>
+          <a:lnRef idx="2">
+            <a:schemeClr val="accent1">
+              <a:shade val="15000"/>
+            </a:schemeClr>
+          </a:lnRef>
+          <a:fillRef idx="1">
+            <a:schemeClr val="accent1"/>
+          </a:fillRef>
+          <a:effectRef idx="0">
+            <a:schemeClr val="accent1"/>
+          </a:effectRef>
+          <a:fontRef idx="minor">
+            <a:schemeClr val="lt1"/>
+          </a:fontRef>
+        </p:style>
+        <p:txBody>
+          <a:bodyPr rtlCol="0" anchor="ctr"/>
+          <a:lstStyle/>
+          <a:p>
+            <a:pPr algn="ctr"/>
+            <a:endParaRPr lang="en-DK"/>
+          </a:p>
+        </p:txBody>
+      </p:sp>
+      <p:sp>
+        <p:nvSpPr>
+          <p:cNvPr id="29" name="Rectangle 28">
+            <a:extLst>
+              <a:ext uri="{FF2B5EF4-FFF2-40B4-BE49-F238E27FC236}">
+                <a16:creationId xmlns:a16="http://schemas.microsoft.com/office/drawing/2014/main" id="{E362EB06-9B86-28E4-1144-D63C228278C4}"/>
+              </a:ext>
+            </a:extLst>
+          </p:cNvPr>
+          <p:cNvSpPr/>
+          <p:nvPr/>
+        </p:nvSpPr>
+        <p:spPr>
+          <a:xfrm>
+            <a:off x="1189608" y="3719742"/>
+            <a:ext cx="1038687" cy="852257"/>
+          </a:xfrm>
+          <a:prstGeom prst="rect">
+            <a:avLst/>
+          </a:prstGeom>
+        </p:spPr>
+        <p:style>
+          <a:lnRef idx="2">
+            <a:schemeClr val="accent1"/>
+          </a:lnRef>
+          <a:fillRef idx="1">
+            <a:schemeClr val="lt1"/>
+          </a:fillRef>
+          <a:effectRef idx="0">
+            <a:schemeClr val="accent1"/>
+          </a:effectRef>
+          <a:fontRef idx="minor">
+            <a:schemeClr val="dk1"/>
+          </a:fontRef>
+        </p:style>
+        <p:txBody>
+          <a:bodyPr rtlCol="0" anchor="ctr"/>
+          <a:lstStyle/>
+          <a:p>
+            <a:pPr algn="ctr"/>
+            <a:endParaRPr lang="en-DK"/>
+          </a:p>
+        </p:txBody>
+      </p:sp>
+      <p:sp>
+        <p:nvSpPr>
+          <p:cNvPr id="30" name="Rectangle 29">
+            <a:extLst>
+              <a:ext uri="{FF2B5EF4-FFF2-40B4-BE49-F238E27FC236}">
+                <a16:creationId xmlns:a16="http://schemas.microsoft.com/office/drawing/2014/main" id="{BEDB3FFE-D12B-8E1C-F2EB-EDC7974DB7C4}"/>
+              </a:ext>
+            </a:extLst>
+          </p:cNvPr>
+          <p:cNvSpPr/>
+          <p:nvPr/>
+        </p:nvSpPr>
+        <p:spPr>
+          <a:xfrm>
+            <a:off x="2228295" y="3719742"/>
+            <a:ext cx="1038687" cy="852257"/>
+          </a:xfrm>
+          <a:prstGeom prst="rect">
+            <a:avLst/>
+          </a:prstGeom>
+        </p:spPr>
+        <p:style>
+          <a:lnRef idx="2">
+            <a:schemeClr val="accent1">
+              <a:shade val="15000"/>
+            </a:schemeClr>
+          </a:lnRef>
+          <a:fillRef idx="1">
+            <a:schemeClr val="accent1"/>
+          </a:fillRef>
+          <a:effectRef idx="0">
+            <a:schemeClr val="accent1"/>
+          </a:effectRef>
+          <a:fontRef idx="minor">
+            <a:schemeClr val="lt1"/>
+          </a:fontRef>
+        </p:style>
+        <p:txBody>
+          <a:bodyPr rtlCol="0" anchor="ctr"/>
+          <a:lstStyle/>
+          <a:p>
+            <a:pPr algn="ctr"/>
+            <a:endParaRPr lang="en-DK"/>
+          </a:p>
+        </p:txBody>
+      </p:sp>
+      <p:sp>
+        <p:nvSpPr>
+          <p:cNvPr id="31" name="Rectangle 30">
+            <a:extLst>
+              <a:ext uri="{FF2B5EF4-FFF2-40B4-BE49-F238E27FC236}">
+                <a16:creationId xmlns:a16="http://schemas.microsoft.com/office/drawing/2014/main" id="{46572295-87A5-0934-ADC6-35308A84EC0F}"/>
+              </a:ext>
+            </a:extLst>
+          </p:cNvPr>
+          <p:cNvSpPr/>
+          <p:nvPr/>
+        </p:nvSpPr>
+        <p:spPr>
+          <a:xfrm>
+            <a:off x="3266982" y="3719742"/>
+            <a:ext cx="1038687" cy="852257"/>
+          </a:xfrm>
+          <a:prstGeom prst="rect">
+            <a:avLst/>
+          </a:prstGeom>
+        </p:spPr>
+        <p:style>
+          <a:lnRef idx="2">
+            <a:schemeClr val="accent1"/>
+          </a:lnRef>
+          <a:fillRef idx="1">
+            <a:schemeClr val="lt1"/>
+          </a:fillRef>
+          <a:effectRef idx="0">
+            <a:schemeClr val="accent1"/>
+          </a:effectRef>
+          <a:fontRef idx="minor">
+            <a:schemeClr val="dk1"/>
+          </a:fontRef>
+        </p:style>
+        <p:txBody>
+          <a:bodyPr rtlCol="0" anchor="ctr"/>
+          <a:lstStyle/>
+          <a:p>
+            <a:pPr algn="ctr"/>
+            <a:endParaRPr lang="en-DK"/>
+          </a:p>
+        </p:txBody>
+      </p:sp>
+      <p:sp>
+        <p:nvSpPr>
+          <p:cNvPr id="32" name="Rectangle 31">
+            <a:extLst>
+              <a:ext uri="{FF2B5EF4-FFF2-40B4-BE49-F238E27FC236}">
+                <a16:creationId xmlns:a16="http://schemas.microsoft.com/office/drawing/2014/main" id="{FAD5A6EC-B3F4-818B-0253-F3C979DDF62D}"/>
+              </a:ext>
+            </a:extLst>
+          </p:cNvPr>
+          <p:cNvSpPr/>
+          <p:nvPr/>
+        </p:nvSpPr>
+        <p:spPr>
+          <a:xfrm>
+            <a:off x="4305669" y="3719742"/>
+            <a:ext cx="1038687" cy="852257"/>
+          </a:xfrm>
+          <a:prstGeom prst="rect">
+            <a:avLst/>
+          </a:prstGeom>
+        </p:spPr>
+        <p:style>
+          <a:lnRef idx="2">
+            <a:schemeClr val="accent1">
+              <a:shade val="15000"/>
+            </a:schemeClr>
+          </a:lnRef>
+          <a:fillRef idx="1">
+            <a:schemeClr val="accent1"/>
+          </a:fillRef>
+          <a:effectRef idx="0">
+            <a:schemeClr val="accent1"/>
+          </a:effectRef>
+          <a:fontRef idx="minor">
+            <a:schemeClr val="lt1"/>
+          </a:fontRef>
+        </p:style>
+        <p:txBody>
+          <a:bodyPr rtlCol="0" anchor="ctr"/>
+          <a:lstStyle/>
+          <a:p>
+            <a:pPr algn="ctr"/>
+            <a:endParaRPr lang="en-DK"/>
+          </a:p>
+        </p:txBody>
+      </p:sp>
+      <p:sp>
+        <p:nvSpPr>
+          <p:cNvPr id="33" name="Rectangle 32">
+            <a:extLst>
+              <a:ext uri="{FF2B5EF4-FFF2-40B4-BE49-F238E27FC236}">
+                <a16:creationId xmlns:a16="http://schemas.microsoft.com/office/drawing/2014/main" id="{A557934F-DF2E-A3F6-1495-C67CC54646CC}"/>
+              </a:ext>
+            </a:extLst>
+          </p:cNvPr>
+          <p:cNvSpPr/>
+          <p:nvPr/>
+        </p:nvSpPr>
+        <p:spPr>
+          <a:xfrm>
+            <a:off x="5344356" y="3719742"/>
+            <a:ext cx="1038687" cy="852257"/>
+          </a:xfrm>
+          <a:prstGeom prst="rect">
+            <a:avLst/>
+          </a:prstGeom>
+        </p:spPr>
+        <p:style>
+          <a:lnRef idx="2">
+            <a:schemeClr val="accent1"/>
+          </a:lnRef>
+          <a:fillRef idx="1">
+            <a:schemeClr val="lt1"/>
+          </a:fillRef>
+          <a:effectRef idx="0">
+            <a:schemeClr val="accent1"/>
+          </a:effectRef>
+          <a:fontRef idx="minor">
+            <a:schemeClr val="dk1"/>
+          </a:fontRef>
+        </p:style>
+        <p:txBody>
+          <a:bodyPr rtlCol="0" anchor="ctr"/>
+          <a:lstStyle/>
+          <a:p>
+            <a:pPr algn="ctr"/>
+            <a:endParaRPr lang="en-DK"/>
+          </a:p>
+        </p:txBody>
+      </p:sp>
+      <p:sp>
+        <p:nvSpPr>
+          <p:cNvPr id="34" name="Rectangle 33">
+            <a:extLst>
+              <a:ext uri="{FF2B5EF4-FFF2-40B4-BE49-F238E27FC236}">
+                <a16:creationId xmlns:a16="http://schemas.microsoft.com/office/drawing/2014/main" id="{9A226F3B-9076-6813-EC16-10FBF1C63F57}"/>
+              </a:ext>
+            </a:extLst>
+          </p:cNvPr>
+          <p:cNvSpPr/>
+          <p:nvPr/>
+        </p:nvSpPr>
+        <p:spPr>
+          <a:xfrm>
+            <a:off x="6383043" y="3719742"/>
+            <a:ext cx="1038687" cy="852257"/>
+          </a:xfrm>
+          <a:prstGeom prst="rect">
+            <a:avLst/>
+          </a:prstGeom>
+        </p:spPr>
+        <p:style>
+          <a:lnRef idx="2">
+            <a:schemeClr val="accent1">
+              <a:shade val="15000"/>
+            </a:schemeClr>
+          </a:lnRef>
+          <a:fillRef idx="1">
+            <a:schemeClr val="accent1"/>
+          </a:fillRef>
+          <a:effectRef idx="0">
+            <a:schemeClr val="accent1"/>
+          </a:effectRef>
+          <a:fontRef idx="minor">
+            <a:schemeClr val="lt1"/>
+          </a:fontRef>
+        </p:style>
+        <p:txBody>
+          <a:bodyPr rtlCol="0" anchor="ctr"/>
+          <a:lstStyle/>
+          <a:p>
+            <a:pPr algn="ctr"/>
+            <a:endParaRPr lang="en-DK"/>
+          </a:p>
+        </p:txBody>
+      </p:sp>
+      <p:sp>
+        <p:nvSpPr>
+          <p:cNvPr id="35" name="Rectangle 34">
+            <a:extLst>
+              <a:ext uri="{FF2B5EF4-FFF2-40B4-BE49-F238E27FC236}">
+                <a16:creationId xmlns:a16="http://schemas.microsoft.com/office/drawing/2014/main" id="{5A49DF4D-262E-6860-D242-C250BDB992B5}"/>
+              </a:ext>
+            </a:extLst>
+          </p:cNvPr>
+          <p:cNvSpPr/>
+          <p:nvPr/>
+        </p:nvSpPr>
+        <p:spPr>
+          <a:xfrm>
+            <a:off x="7421730" y="3719742"/>
+            <a:ext cx="1038687" cy="852257"/>
+          </a:xfrm>
+          <a:prstGeom prst="rect">
+            <a:avLst/>
+          </a:prstGeom>
+        </p:spPr>
+        <p:style>
+          <a:lnRef idx="2">
+            <a:schemeClr val="accent1"/>
+          </a:lnRef>
+          <a:fillRef idx="1">
+            <a:schemeClr val="lt1"/>
+          </a:fillRef>
+          <a:effectRef idx="0">
+            <a:schemeClr val="accent1"/>
+          </a:effectRef>
+          <a:fontRef idx="minor">
+            <a:schemeClr val="dk1"/>
+          </a:fontRef>
+        </p:style>
+        <p:txBody>
+          <a:bodyPr rtlCol="0" anchor="ctr"/>
+          <a:lstStyle/>
+          <a:p>
+            <a:pPr algn="ctr"/>
+            <a:endParaRPr lang="en-DK"/>
+          </a:p>
+        </p:txBody>
+      </p:sp>
+      <p:sp>
+        <p:nvSpPr>
+          <p:cNvPr id="36" name="Rectangle 35">
+            <a:extLst>
+              <a:ext uri="{FF2B5EF4-FFF2-40B4-BE49-F238E27FC236}">
+                <a16:creationId xmlns:a16="http://schemas.microsoft.com/office/drawing/2014/main" id="{DCBC9550-4CFE-6F67-6281-0E1B6C076E36}"/>
+              </a:ext>
+            </a:extLst>
+          </p:cNvPr>
+          <p:cNvSpPr/>
+          <p:nvPr/>
+        </p:nvSpPr>
+        <p:spPr>
+          <a:xfrm>
+            <a:off x="8460417" y="3719742"/>
+            <a:ext cx="1038687" cy="852257"/>
+          </a:xfrm>
+          <a:prstGeom prst="rect">
+            <a:avLst/>
+          </a:prstGeom>
+        </p:spPr>
+        <p:style>
+          <a:lnRef idx="2">
+            <a:schemeClr val="accent1">
+              <a:shade val="15000"/>
+            </a:schemeClr>
+          </a:lnRef>
+          <a:fillRef idx="1">
+            <a:schemeClr val="accent1"/>
+          </a:fillRef>
+          <a:effectRef idx="0">
+            <a:schemeClr val="accent1"/>
+          </a:effectRef>
+          <a:fontRef idx="minor">
+            <a:schemeClr val="lt1"/>
+          </a:fontRef>
+        </p:style>
+        <p:txBody>
+          <a:bodyPr rtlCol="0" anchor="ctr"/>
+          <a:lstStyle/>
+          <a:p>
+            <a:pPr algn="ctr"/>
+            <a:endParaRPr lang="en-DK"/>
+          </a:p>
+        </p:txBody>
+      </p:sp>
+      <p:sp>
+        <p:nvSpPr>
+          <p:cNvPr id="37" name="Rectangle 36">
+            <a:extLst>
+              <a:ext uri="{FF2B5EF4-FFF2-40B4-BE49-F238E27FC236}">
+                <a16:creationId xmlns:a16="http://schemas.microsoft.com/office/drawing/2014/main" id="{3546F178-33C1-9F1C-A475-96681ECDA079}"/>
+              </a:ext>
+            </a:extLst>
+          </p:cNvPr>
+          <p:cNvSpPr/>
+          <p:nvPr/>
+        </p:nvSpPr>
+        <p:spPr>
+          <a:xfrm>
+            <a:off x="9499104" y="3719742"/>
+            <a:ext cx="1038687" cy="852257"/>
+          </a:xfrm>
+          <a:prstGeom prst="rect">
+            <a:avLst/>
+          </a:prstGeom>
+        </p:spPr>
+        <p:style>
+          <a:lnRef idx="2">
+            <a:schemeClr val="accent1"/>
+          </a:lnRef>
+          <a:fillRef idx="1">
+            <a:schemeClr val="lt1"/>
+          </a:fillRef>
+          <a:effectRef idx="0">
+            <a:schemeClr val="accent1"/>
+          </a:effectRef>
+          <a:fontRef idx="minor">
+            <a:schemeClr val="dk1"/>
+          </a:fontRef>
+        </p:style>
+        <p:txBody>
+          <a:bodyPr rtlCol="0" anchor="ctr"/>
+          <a:lstStyle/>
+          <a:p>
+            <a:pPr algn="ctr"/>
+            <a:endParaRPr lang="en-DK"/>
+          </a:p>
+        </p:txBody>
+      </p:sp>
+      <p:sp>
+        <p:nvSpPr>
+          <p:cNvPr id="38" name="Rectangle 37">
+            <a:extLst>
+              <a:ext uri="{FF2B5EF4-FFF2-40B4-BE49-F238E27FC236}">
+                <a16:creationId xmlns:a16="http://schemas.microsoft.com/office/drawing/2014/main" id="{C480BC35-B3FB-C25D-6341-178D6F5B3A69}"/>
+              </a:ext>
+            </a:extLst>
+          </p:cNvPr>
+          <p:cNvSpPr/>
+          <p:nvPr/>
+        </p:nvSpPr>
+        <p:spPr>
+          <a:xfrm>
+            <a:off x="10537791" y="3719742"/>
+            <a:ext cx="1038687" cy="852257"/>
+          </a:xfrm>
+          <a:prstGeom prst="rect">
+            <a:avLst/>
+          </a:prstGeom>
+        </p:spPr>
+        <p:style>
+          <a:lnRef idx="2">
+            <a:schemeClr val="accent1">
+              <a:shade val="15000"/>
+            </a:schemeClr>
+          </a:lnRef>
+          <a:fillRef idx="1">
+            <a:schemeClr val="accent1"/>
+          </a:fillRef>
+          <a:effectRef idx="0">
+            <a:schemeClr val="accent1"/>
+          </a:effectRef>
+          <a:fontRef idx="minor">
+            <a:schemeClr val="lt1"/>
+          </a:fontRef>
+        </p:style>
+        <p:txBody>
+          <a:bodyPr rtlCol="0" anchor="ctr"/>
+          <a:lstStyle/>
+          <a:p>
+            <a:pPr algn="ctr"/>
+            <a:endParaRPr lang="en-DK"/>
+          </a:p>
+        </p:txBody>
+      </p:sp>
+      <p:sp>
+        <p:nvSpPr>
+          <p:cNvPr id="39" name="Rectangle 38">
+            <a:extLst>
+              <a:ext uri="{FF2B5EF4-FFF2-40B4-BE49-F238E27FC236}">
+                <a16:creationId xmlns:a16="http://schemas.microsoft.com/office/drawing/2014/main" id="{EB02E444-B351-D766-6C70-E57B998B92D3}"/>
+              </a:ext>
+            </a:extLst>
+          </p:cNvPr>
+          <p:cNvSpPr/>
+          <p:nvPr/>
+        </p:nvSpPr>
+        <p:spPr>
+          <a:xfrm>
+            <a:off x="11576478" y="3719742"/>
+            <a:ext cx="1038687" cy="852257"/>
+          </a:xfrm>
+          <a:prstGeom prst="rect">
+            <a:avLst/>
+          </a:prstGeom>
+        </p:spPr>
+        <p:style>
+          <a:lnRef idx="2">
+            <a:schemeClr val="accent1"/>
+          </a:lnRef>
+          <a:fillRef idx="1">
+            <a:schemeClr val="lt1"/>
+          </a:fillRef>
+          <a:effectRef idx="0">
+            <a:schemeClr val="accent1"/>
+          </a:effectRef>
+          <a:fontRef idx="minor">
+            <a:schemeClr val="dk1"/>
+          </a:fontRef>
+        </p:style>
+        <p:txBody>
+          <a:bodyPr rtlCol="0" anchor="ctr"/>
+          <a:lstStyle/>
+          <a:p>
+            <a:pPr algn="ctr"/>
+            <a:endParaRPr lang="en-DK"/>
+          </a:p>
+        </p:txBody>
+      </p:sp>
+    </p:spTree>
+    <p:extLst>
+      <p:ext uri="{BB962C8B-B14F-4D97-AF65-F5344CB8AC3E}">
+        <p14:creationId xmlns:p14="http://schemas.microsoft.com/office/powerpoint/2010/main" val="2277773457"/>
+      </p:ext>
+    </p:extLst>
+  </p:cSld>
+  <p:clrMapOvr>
+    <a:masterClrMapping/>
+  </p:clrMapOvr>
+</p:sld>
+</file>
+
+<file path=ppt/slides/slide11.xml><?xml version="1.0" encoding="utf-8"?>
+<p:sld xmlns:a="http://schemas.openxmlformats.org/drawingml/2006/main" xmlns:r="http://schemas.openxmlformats.org/officeDocument/2006/relationships" xmlns:p="http://schemas.openxmlformats.org/presentationml/2006/main">
+  <p:cSld>
+    <p:spTree>
+      <p:nvGrpSpPr>
+        <p:cNvPr id="1" name=""/>
+        <p:cNvGrpSpPr/>
+        <p:nvPr/>
+      </p:nvGrpSpPr>
+      <p:grpSpPr>
+        <a:xfrm>
+          <a:off x="0" y="0"/>
+          <a:ext cx="0" cy="0"/>
+          <a:chOff x="0" y="0"/>
+          <a:chExt cx="0" cy="0"/>
+        </a:xfrm>
+      </p:grpSpPr>
+      <p:sp>
+        <p:nvSpPr>
+          <p:cNvPr id="5" name="Rectangle 4">
+            <a:extLst>
+              <a:ext uri="{FF2B5EF4-FFF2-40B4-BE49-F238E27FC236}">
+                <a16:creationId xmlns:a16="http://schemas.microsoft.com/office/drawing/2014/main" id="{C85C9894-8C0C-C937-31F0-861E9A823454}"/>
+              </a:ext>
+            </a:extLst>
+          </p:cNvPr>
+          <p:cNvSpPr/>
+          <p:nvPr/>
+        </p:nvSpPr>
+        <p:spPr>
+          <a:xfrm>
+            <a:off x="124287" y="1819922"/>
+            <a:ext cx="1038687" cy="852257"/>
+          </a:xfrm>
+          <a:prstGeom prst="rect">
+            <a:avLst/>
+          </a:prstGeom>
+        </p:spPr>
+        <p:style>
+          <a:lnRef idx="2">
+            <a:schemeClr val="accent1">
+              <a:shade val="15000"/>
+            </a:schemeClr>
+          </a:lnRef>
+          <a:fillRef idx="1">
+            <a:schemeClr val="accent1"/>
+          </a:fillRef>
+          <a:effectRef idx="0">
+            <a:schemeClr val="accent1"/>
+          </a:effectRef>
+          <a:fontRef idx="minor">
+            <a:schemeClr val="lt1"/>
+          </a:fontRef>
+        </p:style>
+        <p:txBody>
+          <a:bodyPr rtlCol="0" anchor="ctr"/>
+          <a:lstStyle/>
+          <a:p>
+            <a:pPr algn="ctr"/>
+            <a:endParaRPr lang="en-DK"/>
+          </a:p>
+        </p:txBody>
+      </p:sp>
+      <p:sp>
+        <p:nvSpPr>
+          <p:cNvPr id="6" name="Rectangle 5">
+            <a:extLst>
+              <a:ext uri="{FF2B5EF4-FFF2-40B4-BE49-F238E27FC236}">
+                <a16:creationId xmlns:a16="http://schemas.microsoft.com/office/drawing/2014/main" id="{CD2530E9-39ED-704D-78CB-7CFC7ACDA53A}"/>
+              </a:ext>
+            </a:extLst>
+          </p:cNvPr>
+          <p:cNvSpPr/>
+          <p:nvPr/>
+        </p:nvSpPr>
+        <p:spPr>
+          <a:xfrm>
+            <a:off x="1162974" y="1819922"/>
+            <a:ext cx="1038687" cy="852257"/>
+          </a:xfrm>
+          <a:prstGeom prst="rect">
+            <a:avLst/>
+          </a:prstGeom>
+        </p:spPr>
+        <p:style>
+          <a:lnRef idx="2">
+            <a:schemeClr val="accent1"/>
+          </a:lnRef>
+          <a:fillRef idx="1">
+            <a:schemeClr val="lt1"/>
+          </a:fillRef>
+          <a:effectRef idx="0">
+            <a:schemeClr val="accent1"/>
+          </a:effectRef>
+          <a:fontRef idx="minor">
+            <a:schemeClr val="dk1"/>
+          </a:fontRef>
+        </p:style>
+        <p:txBody>
+          <a:bodyPr rtlCol="0" anchor="ctr"/>
+          <a:lstStyle/>
+          <a:p>
+            <a:pPr algn="ctr"/>
+            <a:endParaRPr lang="en-DK"/>
+          </a:p>
+        </p:txBody>
+      </p:sp>
+      <p:sp>
+        <p:nvSpPr>
+          <p:cNvPr id="7" name="Rectangle 6">
+            <a:extLst>
+              <a:ext uri="{FF2B5EF4-FFF2-40B4-BE49-F238E27FC236}">
+                <a16:creationId xmlns:a16="http://schemas.microsoft.com/office/drawing/2014/main" id="{00BDFD63-E85B-D425-2103-A8DC75B5B6D6}"/>
+              </a:ext>
+            </a:extLst>
+          </p:cNvPr>
+          <p:cNvSpPr/>
+          <p:nvPr/>
+        </p:nvSpPr>
+        <p:spPr>
+          <a:xfrm>
+            <a:off x="2201661" y="1819922"/>
+            <a:ext cx="1038687" cy="852257"/>
+          </a:xfrm>
+          <a:prstGeom prst="rect">
+            <a:avLst/>
+          </a:prstGeom>
+        </p:spPr>
+        <p:style>
+          <a:lnRef idx="2">
+            <a:schemeClr val="accent1">
+              <a:shade val="15000"/>
+            </a:schemeClr>
+          </a:lnRef>
+          <a:fillRef idx="1">
+            <a:schemeClr val="accent1"/>
+          </a:fillRef>
+          <a:effectRef idx="0">
+            <a:schemeClr val="accent1"/>
+          </a:effectRef>
+          <a:fontRef idx="minor">
+            <a:schemeClr val="lt1"/>
+          </a:fontRef>
+        </p:style>
+        <p:txBody>
+          <a:bodyPr rtlCol="0" anchor="ctr"/>
+          <a:lstStyle/>
+          <a:p>
+            <a:pPr algn="ctr"/>
+            <a:endParaRPr lang="en-DK"/>
+          </a:p>
+        </p:txBody>
+      </p:sp>
+      <p:sp>
+        <p:nvSpPr>
+          <p:cNvPr id="8" name="Rectangle 7">
+            <a:extLst>
+              <a:ext uri="{FF2B5EF4-FFF2-40B4-BE49-F238E27FC236}">
+                <a16:creationId xmlns:a16="http://schemas.microsoft.com/office/drawing/2014/main" id="{7F141F95-7832-5B03-C98C-339529356059}"/>
+              </a:ext>
+            </a:extLst>
+          </p:cNvPr>
+          <p:cNvSpPr/>
+          <p:nvPr/>
+        </p:nvSpPr>
+        <p:spPr>
+          <a:xfrm>
+            <a:off x="3240348" y="1819922"/>
+            <a:ext cx="1038687" cy="852257"/>
+          </a:xfrm>
+          <a:prstGeom prst="rect">
+            <a:avLst/>
+          </a:prstGeom>
+        </p:spPr>
+        <p:style>
+          <a:lnRef idx="2">
+            <a:schemeClr val="accent1"/>
+          </a:lnRef>
+          <a:fillRef idx="1">
+            <a:schemeClr val="lt1"/>
+          </a:fillRef>
+          <a:effectRef idx="0">
+            <a:schemeClr val="accent1"/>
+          </a:effectRef>
+          <a:fontRef idx="minor">
+            <a:schemeClr val="dk1"/>
+          </a:fontRef>
+        </p:style>
+        <p:txBody>
+          <a:bodyPr rtlCol="0" anchor="ctr"/>
+          <a:lstStyle/>
+          <a:p>
+            <a:pPr algn="ctr"/>
+            <a:endParaRPr lang="en-DK"/>
+          </a:p>
+        </p:txBody>
+      </p:sp>
+      <p:sp>
+        <p:nvSpPr>
+          <p:cNvPr id="9" name="Rectangle 8">
+            <a:extLst>
+              <a:ext uri="{FF2B5EF4-FFF2-40B4-BE49-F238E27FC236}">
+                <a16:creationId xmlns:a16="http://schemas.microsoft.com/office/drawing/2014/main" id="{0583FE28-1FED-3DDE-7ACE-B3214AE1FDCC}"/>
+              </a:ext>
+            </a:extLst>
+          </p:cNvPr>
+          <p:cNvSpPr/>
+          <p:nvPr/>
+        </p:nvSpPr>
+        <p:spPr>
+          <a:xfrm>
+            <a:off x="4279035" y="1819922"/>
+            <a:ext cx="1038687" cy="852257"/>
+          </a:xfrm>
+          <a:prstGeom prst="rect">
+            <a:avLst/>
+          </a:prstGeom>
+        </p:spPr>
+        <p:style>
+          <a:lnRef idx="2">
+            <a:schemeClr val="accent1">
+              <a:shade val="15000"/>
+            </a:schemeClr>
+          </a:lnRef>
+          <a:fillRef idx="1">
+            <a:schemeClr val="accent1"/>
+          </a:fillRef>
+          <a:effectRef idx="0">
+            <a:schemeClr val="accent1"/>
+          </a:effectRef>
+          <a:fontRef idx="minor">
+            <a:schemeClr val="lt1"/>
+          </a:fontRef>
+        </p:style>
+        <p:txBody>
+          <a:bodyPr rtlCol="0" anchor="ctr"/>
+          <a:lstStyle/>
+          <a:p>
+            <a:pPr algn="ctr"/>
+            <a:endParaRPr lang="en-DK"/>
+          </a:p>
+        </p:txBody>
+      </p:sp>
+      <p:sp>
+        <p:nvSpPr>
+          <p:cNvPr id="10" name="Rectangle 9">
+            <a:extLst>
+              <a:ext uri="{FF2B5EF4-FFF2-40B4-BE49-F238E27FC236}">
+                <a16:creationId xmlns:a16="http://schemas.microsoft.com/office/drawing/2014/main" id="{26D366BA-6F10-533B-7558-6F33B46D7C3C}"/>
+              </a:ext>
+            </a:extLst>
+          </p:cNvPr>
+          <p:cNvSpPr/>
+          <p:nvPr/>
+        </p:nvSpPr>
+        <p:spPr>
+          <a:xfrm>
+            <a:off x="5317722" y="1819922"/>
+            <a:ext cx="1038687" cy="852257"/>
+          </a:xfrm>
+          <a:prstGeom prst="rect">
+            <a:avLst/>
+          </a:prstGeom>
+        </p:spPr>
+        <p:style>
+          <a:lnRef idx="2">
+            <a:schemeClr val="accent1"/>
+          </a:lnRef>
+          <a:fillRef idx="1">
+            <a:schemeClr val="lt1"/>
+          </a:fillRef>
+          <a:effectRef idx="0">
+            <a:schemeClr val="accent1"/>
+          </a:effectRef>
+          <a:fontRef idx="minor">
+            <a:schemeClr val="dk1"/>
+          </a:fontRef>
+        </p:style>
+        <p:txBody>
+          <a:bodyPr rtlCol="0" anchor="ctr"/>
+          <a:lstStyle/>
+          <a:p>
+            <a:pPr algn="ctr"/>
+            <a:endParaRPr lang="en-DK"/>
+          </a:p>
+        </p:txBody>
+      </p:sp>
+      <p:sp>
+        <p:nvSpPr>
+          <p:cNvPr id="11" name="Rectangle 10">
+            <a:extLst>
+              <a:ext uri="{FF2B5EF4-FFF2-40B4-BE49-F238E27FC236}">
+                <a16:creationId xmlns:a16="http://schemas.microsoft.com/office/drawing/2014/main" id="{820A91F3-3F4B-9779-C5FC-7DBC51E6E3E7}"/>
+              </a:ext>
+            </a:extLst>
+          </p:cNvPr>
+          <p:cNvSpPr/>
+          <p:nvPr/>
+        </p:nvSpPr>
+        <p:spPr>
+          <a:xfrm>
+            <a:off x="6356409" y="1819922"/>
+            <a:ext cx="1038687" cy="852257"/>
+          </a:xfrm>
+          <a:prstGeom prst="rect">
+            <a:avLst/>
+          </a:prstGeom>
+        </p:spPr>
+        <p:style>
+          <a:lnRef idx="2">
+            <a:schemeClr val="accent1">
+              <a:shade val="15000"/>
+            </a:schemeClr>
+          </a:lnRef>
+          <a:fillRef idx="1">
+            <a:schemeClr val="accent1"/>
+          </a:fillRef>
+          <a:effectRef idx="0">
+            <a:schemeClr val="accent1"/>
+          </a:effectRef>
+          <a:fontRef idx="minor">
+            <a:schemeClr val="lt1"/>
+          </a:fontRef>
+        </p:style>
+        <p:txBody>
+          <a:bodyPr rtlCol="0" anchor="ctr"/>
+          <a:lstStyle/>
+          <a:p>
+            <a:pPr algn="ctr"/>
+            <a:endParaRPr lang="en-DK"/>
+          </a:p>
+        </p:txBody>
+      </p:sp>
+      <p:sp>
+        <p:nvSpPr>
+          <p:cNvPr id="12" name="Rectangle 11">
+            <a:extLst>
+              <a:ext uri="{FF2B5EF4-FFF2-40B4-BE49-F238E27FC236}">
+                <a16:creationId xmlns:a16="http://schemas.microsoft.com/office/drawing/2014/main" id="{042E742C-3213-082D-326D-BDE922C306E1}"/>
+              </a:ext>
+            </a:extLst>
+          </p:cNvPr>
+          <p:cNvSpPr/>
+          <p:nvPr/>
+        </p:nvSpPr>
+        <p:spPr>
+          <a:xfrm>
+            <a:off x="7395096" y="1819922"/>
+            <a:ext cx="1038687" cy="852257"/>
+          </a:xfrm>
+          <a:prstGeom prst="rect">
+            <a:avLst/>
+          </a:prstGeom>
+        </p:spPr>
+        <p:style>
+          <a:lnRef idx="2">
+            <a:schemeClr val="accent1"/>
+          </a:lnRef>
+          <a:fillRef idx="1">
+            <a:schemeClr val="lt1"/>
+          </a:fillRef>
+          <a:effectRef idx="0">
+            <a:schemeClr val="accent1"/>
+          </a:effectRef>
+          <a:fontRef idx="minor">
+            <a:schemeClr val="dk1"/>
+          </a:fontRef>
+        </p:style>
+        <p:txBody>
+          <a:bodyPr rtlCol="0" anchor="ctr"/>
+          <a:lstStyle/>
+          <a:p>
+            <a:pPr algn="ctr"/>
+            <a:endParaRPr lang="en-DK"/>
+          </a:p>
+        </p:txBody>
+      </p:sp>
+      <p:sp>
+        <p:nvSpPr>
+          <p:cNvPr id="13" name="Rectangle 12">
+            <a:extLst>
+              <a:ext uri="{FF2B5EF4-FFF2-40B4-BE49-F238E27FC236}">
+                <a16:creationId xmlns:a16="http://schemas.microsoft.com/office/drawing/2014/main" id="{E47D0B46-48AF-E86B-FDA0-31B24E40BCB6}"/>
+              </a:ext>
+            </a:extLst>
+          </p:cNvPr>
+          <p:cNvSpPr/>
+          <p:nvPr/>
+        </p:nvSpPr>
+        <p:spPr>
+          <a:xfrm>
+            <a:off x="8433783" y="1819922"/>
+            <a:ext cx="1038687" cy="852257"/>
+          </a:xfrm>
+          <a:prstGeom prst="rect">
+            <a:avLst/>
+          </a:prstGeom>
+        </p:spPr>
+        <p:style>
+          <a:lnRef idx="2">
+            <a:schemeClr val="accent1">
+              <a:shade val="15000"/>
+            </a:schemeClr>
+          </a:lnRef>
+          <a:fillRef idx="1">
+            <a:schemeClr val="accent1"/>
+          </a:fillRef>
+          <a:effectRef idx="0">
+            <a:schemeClr val="accent1"/>
+          </a:effectRef>
+          <a:fontRef idx="minor">
+            <a:schemeClr val="lt1"/>
+          </a:fontRef>
+        </p:style>
+        <p:txBody>
+          <a:bodyPr rtlCol="0" anchor="ctr"/>
+          <a:lstStyle/>
+          <a:p>
+            <a:pPr algn="ctr"/>
+            <a:endParaRPr lang="en-DK"/>
+          </a:p>
+        </p:txBody>
+      </p:sp>
+      <p:sp>
+        <p:nvSpPr>
+          <p:cNvPr id="14" name="Rectangle 13">
+            <a:extLst>
+              <a:ext uri="{FF2B5EF4-FFF2-40B4-BE49-F238E27FC236}">
+                <a16:creationId xmlns:a16="http://schemas.microsoft.com/office/drawing/2014/main" id="{71CAE6CE-AC56-FB05-CB1E-970E06BA5B5A}"/>
+              </a:ext>
+            </a:extLst>
+          </p:cNvPr>
+          <p:cNvSpPr/>
+          <p:nvPr/>
+        </p:nvSpPr>
+        <p:spPr>
+          <a:xfrm>
+            <a:off x="9472470" y="1819922"/>
+            <a:ext cx="1038687" cy="852257"/>
+          </a:xfrm>
+          <a:prstGeom prst="rect">
+            <a:avLst/>
+          </a:prstGeom>
+        </p:spPr>
+        <p:style>
+          <a:lnRef idx="2">
+            <a:schemeClr val="accent1"/>
+          </a:lnRef>
+          <a:fillRef idx="1">
+            <a:schemeClr val="lt1"/>
+          </a:fillRef>
+          <a:effectRef idx="0">
+            <a:schemeClr val="accent1"/>
+          </a:effectRef>
+          <a:fontRef idx="minor">
+            <a:schemeClr val="dk1"/>
+          </a:fontRef>
+        </p:style>
+        <p:txBody>
+          <a:bodyPr rtlCol="0" anchor="ctr"/>
+          <a:lstStyle/>
+          <a:p>
+            <a:pPr algn="ctr"/>
+            <a:endParaRPr lang="en-DK"/>
+          </a:p>
+        </p:txBody>
+      </p:sp>
+      <p:sp>
+        <p:nvSpPr>
+          <p:cNvPr id="15" name="Rectangle 14">
+            <a:extLst>
+              <a:ext uri="{FF2B5EF4-FFF2-40B4-BE49-F238E27FC236}">
+                <a16:creationId xmlns:a16="http://schemas.microsoft.com/office/drawing/2014/main" id="{D8A049D7-2771-E764-AED7-212401EC55FA}"/>
+              </a:ext>
+            </a:extLst>
+          </p:cNvPr>
+          <p:cNvSpPr/>
+          <p:nvPr/>
+        </p:nvSpPr>
+        <p:spPr>
+          <a:xfrm>
+            <a:off x="10511157" y="1819922"/>
+            <a:ext cx="1038687" cy="852257"/>
+          </a:xfrm>
+          <a:prstGeom prst="rect">
+            <a:avLst/>
+          </a:prstGeom>
+        </p:spPr>
+        <p:style>
+          <a:lnRef idx="2">
+            <a:schemeClr val="accent1">
+              <a:shade val="15000"/>
+            </a:schemeClr>
+          </a:lnRef>
+          <a:fillRef idx="1">
+            <a:schemeClr val="accent1"/>
+          </a:fillRef>
+          <a:effectRef idx="0">
+            <a:schemeClr val="accent1"/>
+          </a:effectRef>
+          <a:fontRef idx="minor">
+            <a:schemeClr val="lt1"/>
+          </a:fontRef>
+        </p:style>
+        <p:txBody>
+          <a:bodyPr rtlCol="0" anchor="ctr"/>
+          <a:lstStyle/>
+          <a:p>
+            <a:pPr algn="ctr"/>
+            <a:endParaRPr lang="en-DK"/>
+          </a:p>
+        </p:txBody>
+      </p:sp>
+      <p:sp>
+        <p:nvSpPr>
+          <p:cNvPr id="16" name="Rectangle 15">
+            <a:extLst>
+              <a:ext uri="{FF2B5EF4-FFF2-40B4-BE49-F238E27FC236}">
+                <a16:creationId xmlns:a16="http://schemas.microsoft.com/office/drawing/2014/main" id="{07EB2C4A-91DF-D8DD-6292-50EA54F1DFFB}"/>
+              </a:ext>
+            </a:extLst>
+          </p:cNvPr>
+          <p:cNvSpPr/>
+          <p:nvPr/>
+        </p:nvSpPr>
+        <p:spPr>
+          <a:xfrm>
+            <a:off x="11549844" y="1819922"/>
+            <a:ext cx="1038687" cy="852257"/>
+          </a:xfrm>
+          <a:prstGeom prst="rect">
+            <a:avLst/>
+          </a:prstGeom>
+        </p:spPr>
+        <p:style>
+          <a:lnRef idx="2">
+            <a:schemeClr val="accent1"/>
+          </a:lnRef>
+          <a:fillRef idx="1">
+            <a:schemeClr val="lt1"/>
+          </a:fillRef>
+          <a:effectRef idx="0">
+            <a:schemeClr val="accent1"/>
+          </a:effectRef>
+          <a:fontRef idx="minor">
+            <a:schemeClr val="dk1"/>
+          </a:fontRef>
+        </p:style>
+        <p:txBody>
+          <a:bodyPr rtlCol="0" anchor="ctr"/>
+          <a:lstStyle/>
+          <a:p>
+            <a:pPr algn="ctr"/>
+            <a:endParaRPr lang="en-DK"/>
+          </a:p>
+        </p:txBody>
+      </p:sp>
+      <p:sp>
+        <p:nvSpPr>
+          <p:cNvPr id="17" name="Rectangle 16">
+            <a:extLst>
+              <a:ext uri="{FF2B5EF4-FFF2-40B4-BE49-F238E27FC236}">
+                <a16:creationId xmlns:a16="http://schemas.microsoft.com/office/drawing/2014/main" id="{BF8F956C-41BC-0362-B6E7-5983C3E9EC9D}"/>
+              </a:ext>
+            </a:extLst>
+          </p:cNvPr>
+          <p:cNvSpPr/>
+          <p:nvPr/>
+        </p:nvSpPr>
+        <p:spPr>
+          <a:xfrm>
+            <a:off x="124287" y="967665"/>
+            <a:ext cx="1038687" cy="852257"/>
+          </a:xfrm>
+          <a:prstGeom prst="rect">
+            <a:avLst/>
+          </a:prstGeom>
+        </p:spPr>
+        <p:style>
+          <a:lnRef idx="2">
+            <a:schemeClr val="accent1"/>
+          </a:lnRef>
+          <a:fillRef idx="1">
+            <a:schemeClr val="lt1"/>
+          </a:fillRef>
+          <a:effectRef idx="0">
+            <a:schemeClr val="accent1"/>
+          </a:effectRef>
+          <a:fontRef idx="minor">
+            <a:schemeClr val="dk1"/>
+          </a:fontRef>
+        </p:style>
+        <p:txBody>
+          <a:bodyPr rtlCol="0" anchor="ctr"/>
+          <a:lstStyle/>
+          <a:p>
+            <a:pPr algn="ctr"/>
+            <a:endParaRPr lang="en-DK"/>
+          </a:p>
+        </p:txBody>
+      </p:sp>
+      <p:sp>
+        <p:nvSpPr>
+          <p:cNvPr id="18" name="Rectangle 17">
+            <a:extLst>
+              <a:ext uri="{FF2B5EF4-FFF2-40B4-BE49-F238E27FC236}">
+                <a16:creationId xmlns:a16="http://schemas.microsoft.com/office/drawing/2014/main" id="{E0F1E50D-EF78-7F48-529F-328BD7AC87DA}"/>
+              </a:ext>
+            </a:extLst>
+          </p:cNvPr>
+          <p:cNvSpPr/>
+          <p:nvPr/>
+        </p:nvSpPr>
+        <p:spPr>
+          <a:xfrm>
+            <a:off x="1162974" y="967665"/>
+            <a:ext cx="1038687" cy="852257"/>
+          </a:xfrm>
+          <a:prstGeom prst="rect">
+            <a:avLst/>
+          </a:prstGeom>
+        </p:spPr>
+        <p:style>
+          <a:lnRef idx="2">
+            <a:schemeClr val="accent1">
+              <a:shade val="15000"/>
+            </a:schemeClr>
+          </a:lnRef>
+          <a:fillRef idx="1">
+            <a:schemeClr val="accent1"/>
+          </a:fillRef>
+          <a:effectRef idx="0">
+            <a:schemeClr val="accent1"/>
+          </a:effectRef>
+          <a:fontRef idx="minor">
+            <a:schemeClr val="lt1"/>
+          </a:fontRef>
+        </p:style>
+        <p:txBody>
+          <a:bodyPr rtlCol="0" anchor="ctr"/>
+          <a:lstStyle/>
+          <a:p>
+            <a:pPr algn="ctr"/>
+            <a:endParaRPr lang="en-DK"/>
+          </a:p>
+        </p:txBody>
+      </p:sp>
+      <p:sp>
+        <p:nvSpPr>
+          <p:cNvPr id="19" name="Rectangle 18">
+            <a:extLst>
+              <a:ext uri="{FF2B5EF4-FFF2-40B4-BE49-F238E27FC236}">
+                <a16:creationId xmlns:a16="http://schemas.microsoft.com/office/drawing/2014/main" id="{9F77A835-8C82-4708-4276-DD74DFAD8FFE}"/>
+              </a:ext>
+            </a:extLst>
+          </p:cNvPr>
+          <p:cNvSpPr/>
+          <p:nvPr/>
+        </p:nvSpPr>
+        <p:spPr>
+          <a:xfrm>
+            <a:off x="2201661" y="967665"/>
+            <a:ext cx="1038687" cy="852257"/>
+          </a:xfrm>
+          <a:prstGeom prst="rect">
+            <a:avLst/>
+          </a:prstGeom>
+        </p:spPr>
+        <p:style>
+          <a:lnRef idx="2">
+            <a:schemeClr val="accent1"/>
+          </a:lnRef>
+          <a:fillRef idx="1">
+            <a:schemeClr val="lt1"/>
+          </a:fillRef>
+          <a:effectRef idx="0">
+            <a:schemeClr val="accent1"/>
+          </a:effectRef>
+          <a:fontRef idx="minor">
+            <a:schemeClr val="dk1"/>
+          </a:fontRef>
+        </p:style>
+        <p:txBody>
+          <a:bodyPr rtlCol="0" anchor="ctr"/>
+          <a:lstStyle/>
+          <a:p>
+            <a:pPr algn="ctr"/>
+            <a:endParaRPr lang="en-DK"/>
+          </a:p>
+        </p:txBody>
+      </p:sp>
+      <p:sp>
+        <p:nvSpPr>
+          <p:cNvPr id="20" name="Rectangle 19">
+            <a:extLst>
+              <a:ext uri="{FF2B5EF4-FFF2-40B4-BE49-F238E27FC236}">
+                <a16:creationId xmlns:a16="http://schemas.microsoft.com/office/drawing/2014/main" id="{027E890C-84AE-E0BB-9C6E-86FDB8455BE4}"/>
+              </a:ext>
+            </a:extLst>
+          </p:cNvPr>
+          <p:cNvSpPr/>
+          <p:nvPr/>
+        </p:nvSpPr>
+        <p:spPr>
+          <a:xfrm>
+            <a:off x="3240348" y="967665"/>
+            <a:ext cx="1038687" cy="852257"/>
+          </a:xfrm>
+          <a:prstGeom prst="rect">
+            <a:avLst/>
+          </a:prstGeom>
+        </p:spPr>
+        <p:style>
+          <a:lnRef idx="2">
+            <a:schemeClr val="accent1">
+              <a:shade val="15000"/>
+            </a:schemeClr>
+          </a:lnRef>
+          <a:fillRef idx="1">
+            <a:schemeClr val="accent1"/>
+          </a:fillRef>
+          <a:effectRef idx="0">
+            <a:schemeClr val="accent1"/>
+          </a:effectRef>
+          <a:fontRef idx="minor">
+            <a:schemeClr val="lt1"/>
+          </a:fontRef>
+        </p:style>
+        <p:txBody>
+          <a:bodyPr rtlCol="0" anchor="ctr"/>
+          <a:lstStyle/>
+          <a:p>
+            <a:pPr algn="ctr"/>
+            <a:endParaRPr lang="en-DK"/>
+          </a:p>
+        </p:txBody>
+      </p:sp>
+      <p:sp>
+        <p:nvSpPr>
+          <p:cNvPr id="21" name="Rectangle 20">
+            <a:extLst>
+              <a:ext uri="{FF2B5EF4-FFF2-40B4-BE49-F238E27FC236}">
+                <a16:creationId xmlns:a16="http://schemas.microsoft.com/office/drawing/2014/main" id="{BFA04AF8-7E22-28B0-1050-875EE9BC06D8}"/>
+              </a:ext>
+            </a:extLst>
+          </p:cNvPr>
+          <p:cNvSpPr/>
+          <p:nvPr/>
+        </p:nvSpPr>
+        <p:spPr>
+          <a:xfrm>
+            <a:off x="4279035" y="967665"/>
+            <a:ext cx="1038687" cy="852257"/>
+          </a:xfrm>
+          <a:prstGeom prst="rect">
+            <a:avLst/>
+          </a:prstGeom>
+        </p:spPr>
+        <p:style>
+          <a:lnRef idx="2">
+            <a:schemeClr val="accent1"/>
+          </a:lnRef>
+          <a:fillRef idx="1">
+            <a:schemeClr val="lt1"/>
+          </a:fillRef>
+          <a:effectRef idx="0">
+            <a:schemeClr val="accent1"/>
+          </a:effectRef>
+          <a:fontRef idx="minor">
+            <a:schemeClr val="dk1"/>
+          </a:fontRef>
+        </p:style>
+        <p:txBody>
+          <a:bodyPr rtlCol="0" anchor="ctr"/>
+          <a:lstStyle/>
+          <a:p>
+            <a:pPr algn="ctr"/>
+            <a:endParaRPr lang="en-DK"/>
+          </a:p>
+        </p:txBody>
+      </p:sp>
+      <p:sp>
+        <p:nvSpPr>
+          <p:cNvPr id="22" name="Rectangle 21">
+            <a:extLst>
+              <a:ext uri="{FF2B5EF4-FFF2-40B4-BE49-F238E27FC236}">
+                <a16:creationId xmlns:a16="http://schemas.microsoft.com/office/drawing/2014/main" id="{E87C4A18-4874-AACB-E961-B8DF5C45F7D7}"/>
+              </a:ext>
+            </a:extLst>
+          </p:cNvPr>
+          <p:cNvSpPr/>
+          <p:nvPr/>
+        </p:nvSpPr>
+        <p:spPr>
+          <a:xfrm>
+            <a:off x="5317722" y="967665"/>
+            <a:ext cx="1038687" cy="852257"/>
+          </a:xfrm>
+          <a:prstGeom prst="rect">
+            <a:avLst/>
+          </a:prstGeom>
+        </p:spPr>
+        <p:style>
+          <a:lnRef idx="2">
+            <a:schemeClr val="accent1">
+              <a:shade val="15000"/>
+            </a:schemeClr>
+          </a:lnRef>
+          <a:fillRef idx="1">
+            <a:schemeClr val="accent1"/>
+          </a:fillRef>
+          <a:effectRef idx="0">
+            <a:schemeClr val="accent1"/>
+          </a:effectRef>
+          <a:fontRef idx="minor">
+            <a:schemeClr val="lt1"/>
+          </a:fontRef>
+        </p:style>
+        <p:txBody>
+          <a:bodyPr rtlCol="0" anchor="ctr"/>
+          <a:lstStyle/>
+          <a:p>
+            <a:pPr algn="ctr"/>
+            <a:endParaRPr lang="en-DK"/>
+          </a:p>
+        </p:txBody>
+      </p:sp>
+      <p:sp>
+        <p:nvSpPr>
+          <p:cNvPr id="23" name="Rectangle 22">
+            <a:extLst>
+              <a:ext uri="{FF2B5EF4-FFF2-40B4-BE49-F238E27FC236}">
+                <a16:creationId xmlns:a16="http://schemas.microsoft.com/office/drawing/2014/main" id="{4F47FB9C-C460-28BD-E63A-2F571BB5F389}"/>
+              </a:ext>
+            </a:extLst>
+          </p:cNvPr>
+          <p:cNvSpPr/>
+          <p:nvPr/>
+        </p:nvSpPr>
+        <p:spPr>
+          <a:xfrm>
+            <a:off x="6356409" y="967665"/>
+            <a:ext cx="1038687" cy="852257"/>
+          </a:xfrm>
+          <a:prstGeom prst="rect">
+            <a:avLst/>
+          </a:prstGeom>
+        </p:spPr>
+        <p:style>
+          <a:lnRef idx="2">
+            <a:schemeClr val="accent1"/>
+          </a:lnRef>
+          <a:fillRef idx="1">
+            <a:schemeClr val="lt1"/>
+          </a:fillRef>
+          <a:effectRef idx="0">
+            <a:schemeClr val="accent1"/>
+          </a:effectRef>
+          <a:fontRef idx="minor">
+            <a:schemeClr val="dk1"/>
+          </a:fontRef>
+        </p:style>
+        <p:txBody>
+          <a:bodyPr rtlCol="0" anchor="ctr"/>
+          <a:lstStyle/>
+          <a:p>
+            <a:pPr algn="ctr"/>
+            <a:endParaRPr lang="en-DK"/>
+          </a:p>
+        </p:txBody>
+      </p:sp>
+      <p:sp>
+        <p:nvSpPr>
+          <p:cNvPr id="24" name="Rectangle 23">
+            <a:extLst>
+              <a:ext uri="{FF2B5EF4-FFF2-40B4-BE49-F238E27FC236}">
+                <a16:creationId xmlns:a16="http://schemas.microsoft.com/office/drawing/2014/main" id="{798B8B45-D78E-E020-D32E-C74C49D45021}"/>
+              </a:ext>
+            </a:extLst>
+          </p:cNvPr>
+          <p:cNvSpPr/>
+          <p:nvPr/>
+        </p:nvSpPr>
+        <p:spPr>
+          <a:xfrm>
+            <a:off x="7395096" y="967665"/>
+            <a:ext cx="1038687" cy="852257"/>
+          </a:xfrm>
+          <a:prstGeom prst="rect">
+            <a:avLst/>
+          </a:prstGeom>
+        </p:spPr>
+        <p:style>
+          <a:lnRef idx="2">
+            <a:schemeClr val="accent1">
+              <a:shade val="15000"/>
+            </a:schemeClr>
+          </a:lnRef>
+          <a:fillRef idx="1">
+            <a:schemeClr val="accent1"/>
+          </a:fillRef>
+          <a:effectRef idx="0">
+            <a:schemeClr val="accent1"/>
+          </a:effectRef>
+          <a:fontRef idx="minor">
+            <a:schemeClr val="lt1"/>
+          </a:fontRef>
+        </p:style>
+        <p:txBody>
+          <a:bodyPr rtlCol="0" anchor="ctr"/>
+          <a:lstStyle/>
+          <a:p>
+            <a:pPr algn="ctr"/>
+            <a:endParaRPr lang="en-DK"/>
+          </a:p>
+        </p:txBody>
+      </p:sp>
+      <p:sp>
+        <p:nvSpPr>
+          <p:cNvPr id="25" name="Rectangle 24">
+            <a:extLst>
+              <a:ext uri="{FF2B5EF4-FFF2-40B4-BE49-F238E27FC236}">
+                <a16:creationId xmlns:a16="http://schemas.microsoft.com/office/drawing/2014/main" id="{AA66C730-BDCA-A695-E727-AEA650173400}"/>
+              </a:ext>
+            </a:extLst>
+          </p:cNvPr>
+          <p:cNvSpPr/>
+          <p:nvPr/>
+        </p:nvSpPr>
+        <p:spPr>
+          <a:xfrm>
+            <a:off x="8433783" y="967665"/>
+            <a:ext cx="1038687" cy="852257"/>
+          </a:xfrm>
+          <a:prstGeom prst="rect">
+            <a:avLst/>
+          </a:prstGeom>
+        </p:spPr>
+        <p:style>
+          <a:lnRef idx="2">
+            <a:schemeClr val="accent1"/>
+          </a:lnRef>
+          <a:fillRef idx="1">
+            <a:schemeClr val="lt1"/>
+          </a:fillRef>
+          <a:effectRef idx="0">
+            <a:schemeClr val="accent1"/>
+          </a:effectRef>
+          <a:fontRef idx="minor">
+            <a:schemeClr val="dk1"/>
+          </a:fontRef>
+        </p:style>
+        <p:txBody>
+          <a:bodyPr rtlCol="0" anchor="ctr"/>
+          <a:lstStyle/>
+          <a:p>
+            <a:pPr algn="ctr"/>
+            <a:endParaRPr lang="en-DK"/>
+          </a:p>
+        </p:txBody>
+      </p:sp>
+      <p:sp>
+        <p:nvSpPr>
+          <p:cNvPr id="26" name="Rectangle 25">
+            <a:extLst>
+              <a:ext uri="{FF2B5EF4-FFF2-40B4-BE49-F238E27FC236}">
+                <a16:creationId xmlns:a16="http://schemas.microsoft.com/office/drawing/2014/main" id="{CC9449C8-7D62-BE39-EF10-F3A40AF018B3}"/>
+              </a:ext>
+            </a:extLst>
+          </p:cNvPr>
+          <p:cNvSpPr/>
+          <p:nvPr/>
+        </p:nvSpPr>
+        <p:spPr>
+          <a:xfrm>
+            <a:off x="9472470" y="967665"/>
+            <a:ext cx="1038687" cy="852257"/>
+          </a:xfrm>
+          <a:prstGeom prst="rect">
+            <a:avLst/>
+          </a:prstGeom>
+        </p:spPr>
+        <p:style>
+          <a:lnRef idx="2">
+            <a:schemeClr val="accent1">
+              <a:shade val="15000"/>
+            </a:schemeClr>
+          </a:lnRef>
+          <a:fillRef idx="1">
+            <a:schemeClr val="accent1"/>
+          </a:fillRef>
+          <a:effectRef idx="0">
+            <a:schemeClr val="accent1"/>
+          </a:effectRef>
+          <a:fontRef idx="minor">
+            <a:schemeClr val="lt1"/>
+          </a:fontRef>
+        </p:style>
+        <p:txBody>
+          <a:bodyPr rtlCol="0" anchor="ctr"/>
+          <a:lstStyle/>
+          <a:p>
+            <a:pPr algn="ctr"/>
+            <a:endParaRPr lang="en-DK"/>
+          </a:p>
+        </p:txBody>
+      </p:sp>
+      <p:sp>
+        <p:nvSpPr>
+          <p:cNvPr id="27" name="Rectangle 26">
+            <a:extLst>
+              <a:ext uri="{FF2B5EF4-FFF2-40B4-BE49-F238E27FC236}">
+                <a16:creationId xmlns:a16="http://schemas.microsoft.com/office/drawing/2014/main" id="{7DD23FCB-6965-6EE0-A388-3784BBCFF415}"/>
+              </a:ext>
+            </a:extLst>
+          </p:cNvPr>
+          <p:cNvSpPr/>
+          <p:nvPr/>
+        </p:nvSpPr>
+        <p:spPr>
+          <a:xfrm>
+            <a:off x="10511157" y="967665"/>
+            <a:ext cx="1038687" cy="852257"/>
+          </a:xfrm>
+          <a:prstGeom prst="rect">
+            <a:avLst/>
+          </a:prstGeom>
+        </p:spPr>
+        <p:style>
+          <a:lnRef idx="2">
+            <a:schemeClr val="accent1"/>
+          </a:lnRef>
+          <a:fillRef idx="1">
+            <a:schemeClr val="lt1"/>
+          </a:fillRef>
+          <a:effectRef idx="0">
+            <a:schemeClr val="accent1"/>
+          </a:effectRef>
+          <a:fontRef idx="minor">
+            <a:schemeClr val="dk1"/>
+          </a:fontRef>
+        </p:style>
+        <p:txBody>
+          <a:bodyPr rtlCol="0" anchor="ctr"/>
+          <a:lstStyle/>
+          <a:p>
+            <a:pPr algn="ctr"/>
+            <a:endParaRPr lang="en-DK"/>
+          </a:p>
+        </p:txBody>
+      </p:sp>
+      <p:sp>
+        <p:nvSpPr>
+          <p:cNvPr id="28" name="Rectangle 27">
+            <a:extLst>
+              <a:ext uri="{FF2B5EF4-FFF2-40B4-BE49-F238E27FC236}">
+                <a16:creationId xmlns:a16="http://schemas.microsoft.com/office/drawing/2014/main" id="{F9B212F8-2AA5-A643-7D93-18482044F01A}"/>
+              </a:ext>
+            </a:extLst>
+          </p:cNvPr>
+          <p:cNvSpPr/>
+          <p:nvPr/>
+        </p:nvSpPr>
+        <p:spPr>
+          <a:xfrm>
+            <a:off x="124287" y="115408"/>
+            <a:ext cx="1038687" cy="852257"/>
+          </a:xfrm>
+          <a:prstGeom prst="rect">
+            <a:avLst/>
+          </a:prstGeom>
+        </p:spPr>
+        <p:style>
+          <a:lnRef idx="2">
+            <a:schemeClr val="accent1">
+              <a:shade val="15000"/>
+            </a:schemeClr>
+          </a:lnRef>
+          <a:fillRef idx="1">
+            <a:schemeClr val="accent1"/>
+          </a:fillRef>
+          <a:effectRef idx="0">
+            <a:schemeClr val="accent1"/>
+          </a:effectRef>
+          <a:fontRef idx="minor">
+            <a:schemeClr val="lt1"/>
+          </a:fontRef>
+        </p:style>
+        <p:txBody>
+          <a:bodyPr rtlCol="0" anchor="ctr"/>
+          <a:lstStyle/>
+          <a:p>
+            <a:pPr algn="ctr"/>
+            <a:endParaRPr lang="en-DK"/>
+          </a:p>
+        </p:txBody>
+      </p:sp>
+      <p:sp>
+        <p:nvSpPr>
+          <p:cNvPr id="29" name="Rectangle 28">
+            <a:extLst>
+              <a:ext uri="{FF2B5EF4-FFF2-40B4-BE49-F238E27FC236}">
+                <a16:creationId xmlns:a16="http://schemas.microsoft.com/office/drawing/2014/main" id="{E362EB06-9B86-28E4-1144-D63C228278C4}"/>
+              </a:ext>
+            </a:extLst>
+          </p:cNvPr>
+          <p:cNvSpPr/>
+          <p:nvPr/>
+        </p:nvSpPr>
+        <p:spPr>
+          <a:xfrm>
+            <a:off x="1162974" y="115408"/>
+            <a:ext cx="1038687" cy="852257"/>
+          </a:xfrm>
+          <a:prstGeom prst="rect">
+            <a:avLst/>
+          </a:prstGeom>
+        </p:spPr>
+        <p:style>
+          <a:lnRef idx="2">
+            <a:schemeClr val="accent1"/>
+          </a:lnRef>
+          <a:fillRef idx="1">
+            <a:schemeClr val="lt1"/>
+          </a:fillRef>
+          <a:effectRef idx="0">
+            <a:schemeClr val="accent1"/>
+          </a:effectRef>
+          <a:fontRef idx="minor">
+            <a:schemeClr val="dk1"/>
+          </a:fontRef>
+        </p:style>
+        <p:txBody>
+          <a:bodyPr rtlCol="0" anchor="ctr"/>
+          <a:lstStyle/>
+          <a:p>
+            <a:pPr algn="ctr"/>
+            <a:endParaRPr lang="en-DK"/>
+          </a:p>
+        </p:txBody>
+      </p:sp>
+      <p:sp>
+        <p:nvSpPr>
+          <p:cNvPr id="30" name="Rectangle 29">
+            <a:extLst>
+              <a:ext uri="{FF2B5EF4-FFF2-40B4-BE49-F238E27FC236}">
+                <a16:creationId xmlns:a16="http://schemas.microsoft.com/office/drawing/2014/main" id="{BEDB3FFE-D12B-8E1C-F2EB-EDC7974DB7C4}"/>
+              </a:ext>
+            </a:extLst>
+          </p:cNvPr>
+          <p:cNvSpPr/>
+          <p:nvPr/>
+        </p:nvSpPr>
+        <p:spPr>
+          <a:xfrm>
+            <a:off x="2201661" y="115408"/>
+            <a:ext cx="1038687" cy="852257"/>
+          </a:xfrm>
+          <a:prstGeom prst="rect">
+            <a:avLst/>
+          </a:prstGeom>
+        </p:spPr>
+        <p:style>
+          <a:lnRef idx="2">
+            <a:schemeClr val="accent1">
+              <a:shade val="15000"/>
+            </a:schemeClr>
+          </a:lnRef>
+          <a:fillRef idx="1">
+            <a:schemeClr val="accent1"/>
+          </a:fillRef>
+          <a:effectRef idx="0">
+            <a:schemeClr val="accent1"/>
+          </a:effectRef>
+          <a:fontRef idx="minor">
+            <a:schemeClr val="lt1"/>
+          </a:fontRef>
+        </p:style>
+        <p:txBody>
+          <a:bodyPr rtlCol="0" anchor="ctr"/>
+          <a:lstStyle/>
+          <a:p>
+            <a:pPr algn="ctr"/>
+            <a:endParaRPr lang="en-DK"/>
+          </a:p>
+        </p:txBody>
+      </p:sp>
+      <p:sp>
+        <p:nvSpPr>
+          <p:cNvPr id="31" name="Rectangle 30">
+            <a:extLst>
+              <a:ext uri="{FF2B5EF4-FFF2-40B4-BE49-F238E27FC236}">
+                <a16:creationId xmlns:a16="http://schemas.microsoft.com/office/drawing/2014/main" id="{46572295-87A5-0934-ADC6-35308A84EC0F}"/>
+              </a:ext>
+            </a:extLst>
+          </p:cNvPr>
+          <p:cNvSpPr/>
+          <p:nvPr/>
+        </p:nvSpPr>
+        <p:spPr>
+          <a:xfrm>
+            <a:off x="3240348" y="115408"/>
+            <a:ext cx="1038687" cy="852257"/>
+          </a:xfrm>
+          <a:prstGeom prst="rect">
+            <a:avLst/>
+          </a:prstGeom>
+        </p:spPr>
+        <p:style>
+          <a:lnRef idx="2">
+            <a:schemeClr val="accent1"/>
+          </a:lnRef>
+          <a:fillRef idx="1">
+            <a:schemeClr val="lt1"/>
+          </a:fillRef>
+          <a:effectRef idx="0">
+            <a:schemeClr val="accent1"/>
+          </a:effectRef>
+          <a:fontRef idx="minor">
+            <a:schemeClr val="dk1"/>
+          </a:fontRef>
+        </p:style>
+        <p:txBody>
+          <a:bodyPr rtlCol="0" anchor="ctr"/>
+          <a:lstStyle/>
+          <a:p>
+            <a:pPr algn="ctr"/>
+            <a:endParaRPr lang="en-DK"/>
+          </a:p>
+        </p:txBody>
+      </p:sp>
+      <p:sp>
+        <p:nvSpPr>
+          <p:cNvPr id="32" name="Rectangle 31">
+            <a:extLst>
+              <a:ext uri="{FF2B5EF4-FFF2-40B4-BE49-F238E27FC236}">
+                <a16:creationId xmlns:a16="http://schemas.microsoft.com/office/drawing/2014/main" id="{FAD5A6EC-B3F4-818B-0253-F3C979DDF62D}"/>
+              </a:ext>
+            </a:extLst>
+          </p:cNvPr>
+          <p:cNvSpPr/>
+          <p:nvPr/>
+        </p:nvSpPr>
+        <p:spPr>
+          <a:xfrm>
+            <a:off x="4279035" y="115408"/>
+            <a:ext cx="1038687" cy="852257"/>
+          </a:xfrm>
+          <a:prstGeom prst="rect">
+            <a:avLst/>
+          </a:prstGeom>
+        </p:spPr>
+        <p:style>
+          <a:lnRef idx="2">
+            <a:schemeClr val="accent1">
+              <a:shade val="15000"/>
+            </a:schemeClr>
+          </a:lnRef>
+          <a:fillRef idx="1">
+            <a:schemeClr val="accent1"/>
+          </a:fillRef>
+          <a:effectRef idx="0">
+            <a:schemeClr val="accent1"/>
+          </a:effectRef>
+          <a:fontRef idx="minor">
+            <a:schemeClr val="lt1"/>
+          </a:fontRef>
+        </p:style>
+        <p:txBody>
+          <a:bodyPr rtlCol="0" anchor="ctr"/>
+          <a:lstStyle/>
+          <a:p>
+            <a:pPr algn="ctr"/>
+            <a:endParaRPr lang="en-DK"/>
+          </a:p>
+        </p:txBody>
+      </p:sp>
+      <p:sp>
+        <p:nvSpPr>
+          <p:cNvPr id="33" name="Rectangle 32">
+            <a:extLst>
+              <a:ext uri="{FF2B5EF4-FFF2-40B4-BE49-F238E27FC236}">
+                <a16:creationId xmlns:a16="http://schemas.microsoft.com/office/drawing/2014/main" id="{A557934F-DF2E-A3F6-1495-C67CC54646CC}"/>
+              </a:ext>
+            </a:extLst>
+          </p:cNvPr>
+          <p:cNvSpPr/>
+          <p:nvPr/>
+        </p:nvSpPr>
+        <p:spPr>
+          <a:xfrm>
+            <a:off x="5317722" y="115408"/>
+            <a:ext cx="1038687" cy="852257"/>
+          </a:xfrm>
+          <a:prstGeom prst="rect">
+            <a:avLst/>
+          </a:prstGeom>
+        </p:spPr>
+        <p:style>
+          <a:lnRef idx="2">
+            <a:schemeClr val="accent1"/>
+          </a:lnRef>
+          <a:fillRef idx="1">
+            <a:schemeClr val="lt1"/>
+          </a:fillRef>
+          <a:effectRef idx="0">
+            <a:schemeClr val="accent1"/>
+          </a:effectRef>
+          <a:fontRef idx="minor">
+            <a:schemeClr val="dk1"/>
+          </a:fontRef>
+        </p:style>
+        <p:txBody>
+          <a:bodyPr rtlCol="0" anchor="ctr"/>
+          <a:lstStyle/>
+          <a:p>
+            <a:pPr algn="ctr"/>
+            <a:endParaRPr lang="en-DK"/>
+          </a:p>
+        </p:txBody>
+      </p:sp>
+      <p:sp>
+        <p:nvSpPr>
+          <p:cNvPr id="34" name="Rectangle 33">
+            <a:extLst>
+              <a:ext uri="{FF2B5EF4-FFF2-40B4-BE49-F238E27FC236}">
+                <a16:creationId xmlns:a16="http://schemas.microsoft.com/office/drawing/2014/main" id="{9A226F3B-9076-6813-EC16-10FBF1C63F57}"/>
+              </a:ext>
+            </a:extLst>
+          </p:cNvPr>
+          <p:cNvSpPr/>
+          <p:nvPr/>
+        </p:nvSpPr>
+        <p:spPr>
+          <a:xfrm>
+            <a:off x="6356409" y="115408"/>
+            <a:ext cx="1038687" cy="852257"/>
+          </a:xfrm>
+          <a:prstGeom prst="rect">
+            <a:avLst/>
+          </a:prstGeom>
+        </p:spPr>
+        <p:style>
+          <a:lnRef idx="2">
+            <a:schemeClr val="accent1">
+              <a:shade val="15000"/>
+            </a:schemeClr>
+          </a:lnRef>
+          <a:fillRef idx="1">
+            <a:schemeClr val="accent1"/>
+          </a:fillRef>
+          <a:effectRef idx="0">
+            <a:schemeClr val="accent1"/>
+          </a:effectRef>
+          <a:fontRef idx="minor">
+            <a:schemeClr val="lt1"/>
+          </a:fontRef>
+        </p:style>
+        <p:txBody>
+          <a:bodyPr rtlCol="0" anchor="ctr"/>
+          <a:lstStyle/>
+          <a:p>
+            <a:pPr algn="ctr"/>
+            <a:endParaRPr lang="en-DK"/>
+          </a:p>
+        </p:txBody>
+      </p:sp>
+      <p:sp>
+        <p:nvSpPr>
+          <p:cNvPr id="35" name="Rectangle 34">
+            <a:extLst>
+              <a:ext uri="{FF2B5EF4-FFF2-40B4-BE49-F238E27FC236}">
+                <a16:creationId xmlns:a16="http://schemas.microsoft.com/office/drawing/2014/main" id="{5A49DF4D-262E-6860-D242-C250BDB992B5}"/>
+              </a:ext>
+            </a:extLst>
+          </p:cNvPr>
+          <p:cNvSpPr/>
+          <p:nvPr/>
+        </p:nvSpPr>
+        <p:spPr>
+          <a:xfrm>
+            <a:off x="7395096" y="115408"/>
+            <a:ext cx="1038687" cy="852257"/>
+          </a:xfrm>
+          <a:prstGeom prst="rect">
+            <a:avLst/>
+          </a:prstGeom>
+        </p:spPr>
+        <p:style>
+          <a:lnRef idx="2">
+            <a:schemeClr val="accent1"/>
+          </a:lnRef>
+          <a:fillRef idx="1">
+            <a:schemeClr val="lt1"/>
+          </a:fillRef>
+          <a:effectRef idx="0">
+            <a:schemeClr val="accent1"/>
+          </a:effectRef>
+          <a:fontRef idx="minor">
+            <a:schemeClr val="dk1"/>
+          </a:fontRef>
+        </p:style>
+        <p:txBody>
+          <a:bodyPr rtlCol="0" anchor="ctr"/>
+          <a:lstStyle/>
+          <a:p>
+            <a:pPr algn="ctr"/>
+            <a:endParaRPr lang="en-DK"/>
+          </a:p>
+        </p:txBody>
+      </p:sp>
+      <p:sp>
+        <p:nvSpPr>
+          <p:cNvPr id="36" name="Rectangle 35">
+            <a:extLst>
+              <a:ext uri="{FF2B5EF4-FFF2-40B4-BE49-F238E27FC236}">
+                <a16:creationId xmlns:a16="http://schemas.microsoft.com/office/drawing/2014/main" id="{DCBC9550-4CFE-6F67-6281-0E1B6C076E36}"/>
+              </a:ext>
+            </a:extLst>
+          </p:cNvPr>
+          <p:cNvSpPr/>
+          <p:nvPr/>
+        </p:nvSpPr>
+        <p:spPr>
+          <a:xfrm>
+            <a:off x="8433783" y="115408"/>
+            <a:ext cx="1038687" cy="852257"/>
+          </a:xfrm>
+          <a:prstGeom prst="rect">
+            <a:avLst/>
+          </a:prstGeom>
+        </p:spPr>
+        <p:style>
+          <a:lnRef idx="2">
+            <a:schemeClr val="accent1">
+              <a:shade val="15000"/>
+            </a:schemeClr>
+          </a:lnRef>
+          <a:fillRef idx="1">
+            <a:schemeClr val="accent1"/>
+          </a:fillRef>
+          <a:effectRef idx="0">
+            <a:schemeClr val="accent1"/>
+          </a:effectRef>
+          <a:fontRef idx="minor">
+            <a:schemeClr val="lt1"/>
+          </a:fontRef>
+        </p:style>
+        <p:txBody>
+          <a:bodyPr rtlCol="0" anchor="ctr"/>
+          <a:lstStyle/>
+          <a:p>
+            <a:pPr algn="ctr"/>
+            <a:endParaRPr lang="en-DK"/>
+          </a:p>
+        </p:txBody>
+      </p:sp>
+      <p:sp>
+        <p:nvSpPr>
+          <p:cNvPr id="37" name="Rectangle 36">
+            <a:extLst>
+              <a:ext uri="{FF2B5EF4-FFF2-40B4-BE49-F238E27FC236}">
+                <a16:creationId xmlns:a16="http://schemas.microsoft.com/office/drawing/2014/main" id="{3546F178-33C1-9F1C-A475-96681ECDA079}"/>
+              </a:ext>
+            </a:extLst>
+          </p:cNvPr>
+          <p:cNvSpPr/>
+          <p:nvPr/>
+        </p:nvSpPr>
+        <p:spPr>
+          <a:xfrm>
+            <a:off x="9472470" y="115408"/>
+            <a:ext cx="1038687" cy="852257"/>
+          </a:xfrm>
+          <a:prstGeom prst="rect">
+            <a:avLst/>
+          </a:prstGeom>
+        </p:spPr>
+        <p:style>
+          <a:lnRef idx="2">
+            <a:schemeClr val="accent1"/>
+          </a:lnRef>
+          <a:fillRef idx="1">
+            <a:schemeClr val="lt1"/>
+          </a:fillRef>
+          <a:effectRef idx="0">
+            <a:schemeClr val="accent1"/>
+          </a:effectRef>
+          <a:fontRef idx="minor">
+            <a:schemeClr val="dk1"/>
+          </a:fontRef>
+        </p:style>
+        <p:txBody>
+          <a:bodyPr rtlCol="0" anchor="ctr"/>
+          <a:lstStyle/>
+          <a:p>
+            <a:pPr algn="ctr"/>
+            <a:endParaRPr lang="en-DK"/>
+          </a:p>
+        </p:txBody>
+      </p:sp>
+      <p:sp>
+        <p:nvSpPr>
+          <p:cNvPr id="38" name="Rectangle 37">
+            <a:extLst>
+              <a:ext uri="{FF2B5EF4-FFF2-40B4-BE49-F238E27FC236}">
+                <a16:creationId xmlns:a16="http://schemas.microsoft.com/office/drawing/2014/main" id="{C480BC35-B3FB-C25D-6341-178D6F5B3A69}"/>
+              </a:ext>
+            </a:extLst>
+          </p:cNvPr>
+          <p:cNvSpPr/>
+          <p:nvPr/>
+        </p:nvSpPr>
+        <p:spPr>
+          <a:xfrm>
+            <a:off x="10511157" y="115408"/>
+            <a:ext cx="1038687" cy="852257"/>
+          </a:xfrm>
+          <a:prstGeom prst="rect">
+            <a:avLst/>
+          </a:prstGeom>
+        </p:spPr>
+        <p:style>
+          <a:lnRef idx="2">
+            <a:schemeClr val="accent1">
+              <a:shade val="15000"/>
+            </a:schemeClr>
+          </a:lnRef>
+          <a:fillRef idx="1">
+            <a:schemeClr val="accent1"/>
+          </a:fillRef>
+          <a:effectRef idx="0">
+            <a:schemeClr val="accent1"/>
+          </a:effectRef>
+          <a:fontRef idx="minor">
+            <a:schemeClr val="lt1"/>
+          </a:fontRef>
+        </p:style>
+        <p:txBody>
+          <a:bodyPr rtlCol="0" anchor="ctr"/>
+          <a:lstStyle/>
+          <a:p>
+            <a:pPr algn="ctr"/>
+            <a:endParaRPr lang="en-DK"/>
+          </a:p>
+        </p:txBody>
+      </p:sp>
+      <p:sp>
+        <p:nvSpPr>
+          <p:cNvPr id="39" name="Rectangle 38">
+            <a:extLst>
+              <a:ext uri="{FF2B5EF4-FFF2-40B4-BE49-F238E27FC236}">
+                <a16:creationId xmlns:a16="http://schemas.microsoft.com/office/drawing/2014/main" id="{EB02E444-B351-D766-6C70-E57B998B92D3}"/>
+              </a:ext>
+            </a:extLst>
+          </p:cNvPr>
+          <p:cNvSpPr/>
+          <p:nvPr/>
+        </p:nvSpPr>
+        <p:spPr>
+          <a:xfrm>
+            <a:off x="11549844" y="115408"/>
+            <a:ext cx="1038687" cy="852257"/>
+          </a:xfrm>
+          <a:prstGeom prst="rect">
+            <a:avLst/>
+          </a:prstGeom>
+        </p:spPr>
+        <p:style>
+          <a:lnRef idx="2">
+            <a:schemeClr val="accent1"/>
+          </a:lnRef>
+          <a:fillRef idx="1">
+            <a:schemeClr val="lt1"/>
+          </a:fillRef>
+          <a:effectRef idx="0">
+            <a:schemeClr val="accent1"/>
+          </a:effectRef>
+          <a:fontRef idx="minor">
+            <a:schemeClr val="dk1"/>
+          </a:fontRef>
+        </p:style>
+        <p:txBody>
+          <a:bodyPr rtlCol="0" anchor="ctr"/>
+          <a:lstStyle/>
+          <a:p>
+            <a:pPr algn="ctr"/>
+            <a:endParaRPr lang="en-DK"/>
+          </a:p>
+        </p:txBody>
+      </p:sp>
+    </p:spTree>
+    <p:extLst>
+      <p:ext uri="{BB962C8B-B14F-4D97-AF65-F5344CB8AC3E}">
+        <p14:creationId xmlns:p14="http://schemas.microsoft.com/office/powerpoint/2010/main" val="2474356123"/>
       </p:ext>
     </p:extLst>
   </p:cSld>
